--- a/設計/モデルろぼ魂.exe.pptx
+++ b/設計/モデルろぼ魂.exe.pptx
@@ -7544,6 +7544,158 @@
           </a:prstGeom>
         </p:spPr>
       </p:pic>
+      <p:sp>
+        <p:nvSpPr>
+          <p:cNvPr id="2" name="テキスト ボックス 1">
+            <a:extLst>
+              <a:ext uri="{FF2B5EF4-FFF2-40B4-BE49-F238E27FC236}">
+                <a16:creationId xmlns:a16="http://schemas.microsoft.com/office/drawing/2014/main" id="{536E609B-5DEF-6545-BBDF-9134FD0A6B11}"/>
+              </a:ext>
+            </a:extLst>
+          </p:cNvPr>
+          <p:cNvSpPr txBox="1"/>
+          <p:nvPr/>
+        </p:nvSpPr>
+        <p:spPr>
+          <a:xfrm>
+            <a:off x="646907" y="2773909"/>
+            <a:ext cx="6336704" cy="2928366"/>
+          </a:xfrm>
+          <a:prstGeom prst="rect">
+            <a:avLst/>
+          </a:prstGeom>
+          <a:noFill/>
+        </p:spPr>
+        <p:txBody>
+          <a:bodyPr wrap="square" rtlCol="0">
+            <a:spAutoFit/>
+          </a:bodyPr>
+          <a:lstStyle/>
+          <a:p>
+            <a:r>
+              <a:rPr kumimoji="1" lang="ja-JP" altLang="en-US" dirty="0"/>
+              <a:t>■チーム紹介</a:t>
+            </a:r>
+            <a:endParaRPr kumimoji="1" lang="en-US" altLang="ja-JP" dirty="0"/>
+          </a:p>
+          <a:p>
+            <a:r>
+              <a:rPr kumimoji="1" lang="ja-JP" altLang="en-US" dirty="0"/>
+              <a:t>　私たち</a:t>
+            </a:r>
+            <a:r>
+              <a:rPr lang="en-US" altLang="ja-JP" dirty="0"/>
+              <a:t>『</a:t>
+            </a:r>
+            <a:r>
+              <a:rPr lang="ja-JP" altLang="en-US" dirty="0"/>
+              <a:t>ろぼ魂</a:t>
+            </a:r>
+            <a:r>
+              <a:rPr lang="en-US" altLang="ja-JP" dirty="0"/>
+              <a:t>.exe』</a:t>
+            </a:r>
+            <a:r>
+              <a:rPr lang="ja-JP" altLang="en-US" dirty="0"/>
+              <a:t>は有志のメンバーで集まった</a:t>
+            </a:r>
+            <a:r>
+              <a:rPr lang="en-US" altLang="ja-JP" dirty="0"/>
+              <a:t>4</a:t>
+            </a:r>
+            <a:r>
+              <a:rPr lang="ja-JP" altLang="en-US" dirty="0"/>
+              <a:t>年生</a:t>
+            </a:r>
+            <a:r>
+              <a:rPr lang="en-US" altLang="ja-JP" dirty="0"/>
+              <a:t>4</a:t>
+            </a:r>
+            <a:r>
+              <a:rPr lang="ja-JP" altLang="en-US" dirty="0"/>
+              <a:t>人、</a:t>
+            </a:r>
+            <a:r>
+              <a:rPr lang="en-US" altLang="ja-JP" dirty="0"/>
+              <a:t>2</a:t>
+            </a:r>
+            <a:r>
+              <a:rPr lang="ja-JP" altLang="en-US" dirty="0"/>
+              <a:t>年生</a:t>
+            </a:r>
+            <a:r>
+              <a:rPr lang="en-US" altLang="ja-JP" dirty="0"/>
+              <a:t>2</a:t>
+            </a:r>
+            <a:r>
+              <a:rPr lang="ja-JP" altLang="en-US" dirty="0"/>
+              <a:t>人の計</a:t>
+            </a:r>
+            <a:r>
+              <a:rPr lang="en-US" altLang="ja-JP" dirty="0"/>
+              <a:t>6</a:t>
+            </a:r>
+            <a:r>
+              <a:rPr lang="ja-JP" altLang="en-US" dirty="0"/>
+              <a:t>人で構成されています。</a:t>
+            </a:r>
+            <a:endParaRPr lang="en-US" altLang="ja-JP" dirty="0"/>
+          </a:p>
+          <a:p>
+            <a:endParaRPr lang="en-US" altLang="ja-JP" dirty="0"/>
+          </a:p>
+          <a:p>
+            <a:r>
+              <a:rPr lang="ja-JP" altLang="en-US" dirty="0"/>
+              <a:t>■目標</a:t>
+            </a:r>
+            <a:endParaRPr lang="en-US" altLang="ja-JP" dirty="0"/>
+          </a:p>
+          <a:p>
+            <a:r>
+              <a:rPr lang="ja-JP" altLang="en-US" dirty="0"/>
+              <a:t>　</a:t>
+            </a:r>
+            <a:r>
+              <a:rPr lang="en-US" altLang="ja-JP" dirty="0"/>
+              <a:t>CS</a:t>
+            </a:r>
+            <a:r>
+              <a:rPr lang="ja-JP" altLang="en-US" dirty="0"/>
+              <a:t>出場</a:t>
+            </a:r>
+            <a:r>
+              <a:rPr lang="en-US" altLang="ja-JP" dirty="0"/>
+              <a:t>‼</a:t>
+            </a:r>
+          </a:p>
+          <a:p>
+            <a:endParaRPr lang="en-US" altLang="ja-JP" dirty="0"/>
+          </a:p>
+          <a:p>
+            <a:r>
+              <a:rPr lang="ja-JP" altLang="en-US" dirty="0"/>
+              <a:t>■意気込み</a:t>
+            </a:r>
+            <a:endParaRPr lang="en-US" altLang="ja-JP" dirty="0"/>
+          </a:p>
+          <a:p>
+            <a:r>
+              <a:rPr lang="ja-JP" altLang="en-US" dirty="0"/>
+              <a:t>　情報科学専門学校初めての</a:t>
+            </a:r>
+            <a:r>
+              <a:rPr lang="en-US" altLang="ja-JP" dirty="0"/>
+              <a:t>CS</a:t>
+            </a:r>
+            <a:r>
+              <a:rPr lang="ja-JP" altLang="en-US" dirty="0"/>
+              <a:t>大会出場を目指して頑張ります。</a:t>
+            </a:r>
+            <a:endParaRPr lang="en-US" altLang="ja-JP" dirty="0"/>
+          </a:p>
+        </p:txBody>
+      </p:sp>
     </p:spTree>
     <p:extLst>
       <p:ext uri="{BB962C8B-B14F-4D97-AF65-F5344CB8AC3E}">
@@ -7666,6 +7818,270 @@
           </a:prstGeom>
         </p:spPr>
       </p:pic>
+      <p:pic>
+        <p:nvPicPr>
+          <p:cNvPr id="4" name="図 3">
+            <a:extLst>
+              <a:ext uri="{FF2B5EF4-FFF2-40B4-BE49-F238E27FC236}">
+                <a16:creationId xmlns:a16="http://schemas.microsoft.com/office/drawing/2014/main" id="{38B67018-86A5-764E-9D63-45F01FDAA708}"/>
+              </a:ext>
+            </a:extLst>
+          </p:cNvPr>
+          <p:cNvPicPr>
+            <a:picLocks noChangeAspect="1"/>
+          </p:cNvPicPr>
+          <p:nvPr/>
+        </p:nvPicPr>
+        <p:blipFill>
+          <a:blip r:embed="rId3">
+            <a:extLst>
+              <a:ext uri="{28A0092B-C50C-407E-A947-70E740481C1C}">
+                <a14:useLocalDpi xmlns:a14="http://schemas.microsoft.com/office/drawing/2010/main" val="0"/>
+              </a:ext>
+            </a:extLst>
+          </a:blip>
+          <a:stretch>
+            <a:fillRect/>
+          </a:stretch>
+        </p:blipFill>
+        <p:spPr>
+          <a:xfrm>
+            <a:off x="214859" y="1095054"/>
+            <a:ext cx="4557970" cy="4769842"/>
+          </a:xfrm>
+          <a:prstGeom prst="rect">
+            <a:avLst/>
+          </a:prstGeom>
+        </p:spPr>
+      </p:pic>
+      <p:pic>
+        <p:nvPicPr>
+          <p:cNvPr id="8" name="図 7">
+            <a:extLst>
+              <a:ext uri="{FF2B5EF4-FFF2-40B4-BE49-F238E27FC236}">
+                <a16:creationId xmlns:a16="http://schemas.microsoft.com/office/drawing/2014/main" id="{FAD97328-C74E-BC2C-6354-249E8E32AA87}"/>
+              </a:ext>
+            </a:extLst>
+          </p:cNvPr>
+          <p:cNvPicPr>
+            <a:picLocks noChangeAspect="1"/>
+          </p:cNvPicPr>
+          <p:nvPr/>
+        </p:nvPicPr>
+        <p:blipFill>
+          <a:blip r:embed="rId4">
+            <a:extLst>
+              <a:ext uri="{28A0092B-C50C-407E-A947-70E740481C1C}">
+                <a14:useLocalDpi xmlns:a14="http://schemas.microsoft.com/office/drawing/2010/main" val="0"/>
+              </a:ext>
+            </a:extLst>
+          </a:blip>
+          <a:stretch>
+            <a:fillRect/>
+          </a:stretch>
+        </p:blipFill>
+        <p:spPr>
+          <a:xfrm>
+            <a:off x="4247307" y="1095054"/>
+            <a:ext cx="11019408" cy="4822009"/>
+          </a:xfrm>
+          <a:prstGeom prst="rect">
+            <a:avLst/>
+          </a:prstGeom>
+        </p:spPr>
+      </p:pic>
+      <p:pic>
+        <p:nvPicPr>
+          <p:cNvPr id="9" name="図 8">
+            <a:extLst>
+              <a:ext uri="{FF2B5EF4-FFF2-40B4-BE49-F238E27FC236}">
+                <a16:creationId xmlns:a16="http://schemas.microsoft.com/office/drawing/2014/main" id="{C5481412-4A7F-D042-62E8-D4BFD474F765}"/>
+              </a:ext>
+            </a:extLst>
+          </p:cNvPr>
+          <p:cNvPicPr>
+            <a:picLocks noChangeAspect="1"/>
+          </p:cNvPicPr>
+          <p:nvPr/>
+        </p:nvPicPr>
+        <p:blipFill>
+          <a:blip r:embed="rId4">
+            <a:extLst>
+              <a:ext uri="{28A0092B-C50C-407E-A947-70E740481C1C}">
+                <a14:useLocalDpi xmlns:a14="http://schemas.microsoft.com/office/drawing/2010/main" val="0"/>
+              </a:ext>
+            </a:extLst>
+          </a:blip>
+          <a:stretch>
+            <a:fillRect/>
+          </a:stretch>
+        </p:blipFill>
+        <p:spPr>
+          <a:xfrm>
+            <a:off x="-505221" y="5917064"/>
+            <a:ext cx="16057784" cy="4541410"/>
+          </a:xfrm>
+          <a:prstGeom prst="rect">
+            <a:avLst/>
+          </a:prstGeom>
+        </p:spPr>
+      </p:pic>
+      <p:sp>
+        <p:nvSpPr>
+          <p:cNvPr id="10" name="テキスト ボックス 9">
+            <a:extLst>
+              <a:ext uri="{FF2B5EF4-FFF2-40B4-BE49-F238E27FC236}">
+                <a16:creationId xmlns:a16="http://schemas.microsoft.com/office/drawing/2014/main" id="{D436F6D7-6B69-334F-985F-1FE47A6A588B}"/>
+              </a:ext>
+            </a:extLst>
+          </p:cNvPr>
+          <p:cNvSpPr txBox="1"/>
+          <p:nvPr/>
+        </p:nvSpPr>
+        <p:spPr>
+          <a:xfrm>
+            <a:off x="349742" y="1226600"/>
+            <a:ext cx="3790135" cy="375937"/>
+          </a:xfrm>
+          <a:prstGeom prst="rect">
+            <a:avLst/>
+          </a:prstGeom>
+          <a:noFill/>
+        </p:spPr>
+        <p:txBody>
+          <a:bodyPr wrap="square" rtlCol="0">
+            <a:spAutoFit/>
+          </a:bodyPr>
+          <a:lstStyle/>
+          <a:p>
+            <a:r>
+              <a:rPr lang="en-US" altLang="ja-JP" b="1" dirty="0">
+                <a:solidFill>
+                  <a:schemeClr val="bg1"/>
+                </a:solidFill>
+              </a:rPr>
+              <a:t>1.1</a:t>
+            </a:r>
+            <a:r>
+              <a:rPr lang="ja-JP" altLang="en-US" b="1" dirty="0">
+                <a:solidFill>
+                  <a:schemeClr val="bg1"/>
+                </a:solidFill>
+              </a:rPr>
+              <a:t>　攻略方針</a:t>
+            </a:r>
+            <a:endParaRPr kumimoji="1" lang="ja-JP" altLang="en-US" b="1" dirty="0">
+              <a:solidFill>
+                <a:schemeClr val="bg1"/>
+              </a:solidFill>
+            </a:endParaRPr>
+          </a:p>
+        </p:txBody>
+      </p:sp>
+      <p:sp>
+        <p:nvSpPr>
+          <p:cNvPr id="11" name="テキスト ボックス 10">
+            <a:extLst>
+              <a:ext uri="{FF2B5EF4-FFF2-40B4-BE49-F238E27FC236}">
+                <a16:creationId xmlns:a16="http://schemas.microsoft.com/office/drawing/2014/main" id="{7DDF0C23-88AA-D2D0-7FA0-DEA3F4443FF6}"/>
+              </a:ext>
+            </a:extLst>
+          </p:cNvPr>
+          <p:cNvSpPr txBox="1"/>
+          <p:nvPr/>
+        </p:nvSpPr>
+        <p:spPr>
+          <a:xfrm>
+            <a:off x="4832160" y="1262993"/>
+            <a:ext cx="3790135" cy="375937"/>
+          </a:xfrm>
+          <a:prstGeom prst="rect">
+            <a:avLst/>
+          </a:prstGeom>
+          <a:noFill/>
+        </p:spPr>
+        <p:txBody>
+          <a:bodyPr wrap="square" rtlCol="0">
+            <a:spAutoFit/>
+          </a:bodyPr>
+          <a:lstStyle/>
+          <a:p>
+            <a:r>
+              <a:rPr lang="en-US" altLang="ja-JP" b="1" dirty="0">
+                <a:solidFill>
+                  <a:schemeClr val="bg1"/>
+                </a:solidFill>
+              </a:rPr>
+              <a:t>1.2</a:t>
+            </a:r>
+            <a:r>
+              <a:rPr lang="ja-JP" altLang="en-US" b="1" dirty="0">
+                <a:solidFill>
+                  <a:schemeClr val="bg1"/>
+                </a:solidFill>
+              </a:rPr>
+              <a:t>　開発方針</a:t>
+            </a:r>
+            <a:endParaRPr kumimoji="1" lang="ja-JP" altLang="en-US" b="1" dirty="0">
+              <a:solidFill>
+                <a:schemeClr val="bg1"/>
+              </a:solidFill>
+            </a:endParaRPr>
+          </a:p>
+        </p:txBody>
+      </p:sp>
+      <p:sp>
+        <p:nvSpPr>
+          <p:cNvPr id="12" name="テキスト ボックス 11">
+            <a:extLst>
+              <a:ext uri="{FF2B5EF4-FFF2-40B4-BE49-F238E27FC236}">
+                <a16:creationId xmlns:a16="http://schemas.microsoft.com/office/drawing/2014/main" id="{E24559D5-98BD-D822-A5F8-7B6F861315BE}"/>
+              </a:ext>
+            </a:extLst>
+          </p:cNvPr>
+          <p:cNvSpPr txBox="1"/>
+          <p:nvPr/>
+        </p:nvSpPr>
+        <p:spPr>
+          <a:xfrm>
+            <a:off x="364169" y="5990511"/>
+            <a:ext cx="3790135" cy="375937"/>
+          </a:xfrm>
+          <a:prstGeom prst="rect">
+            <a:avLst/>
+          </a:prstGeom>
+          <a:noFill/>
+        </p:spPr>
+        <p:txBody>
+          <a:bodyPr wrap="square" rtlCol="0">
+            <a:spAutoFit/>
+          </a:bodyPr>
+          <a:lstStyle/>
+          <a:p>
+            <a:r>
+              <a:rPr lang="en-US" altLang="ja-JP" b="1" dirty="0">
+                <a:solidFill>
+                  <a:schemeClr val="bg1"/>
+                </a:solidFill>
+              </a:rPr>
+              <a:t>1.3</a:t>
+            </a:r>
+            <a:r>
+              <a:rPr lang="ja-JP" altLang="en-US" b="1" dirty="0">
+                <a:solidFill>
+                  <a:schemeClr val="bg1"/>
+                </a:solidFill>
+              </a:rPr>
+              <a:t>　要件定義</a:t>
+            </a:r>
+            <a:endParaRPr kumimoji="1" lang="ja-JP" altLang="en-US" b="1" dirty="0">
+              <a:solidFill>
+                <a:schemeClr val="bg1"/>
+              </a:solidFill>
+            </a:endParaRPr>
+          </a:p>
+        </p:txBody>
+      </p:sp>
     </p:spTree>
     <p:extLst>
       <p:ext uri="{BB962C8B-B14F-4D97-AF65-F5344CB8AC3E}">

--- a/設計/モデルろぼ魂.exe.pptx
+++ b/設計/モデルろぼ魂.exe.pptx
@@ -7818,114 +7818,6 @@
           </a:prstGeom>
         </p:spPr>
       </p:pic>
-      <p:pic>
-        <p:nvPicPr>
-          <p:cNvPr id="4" name="図 3">
-            <a:extLst>
-              <a:ext uri="{FF2B5EF4-FFF2-40B4-BE49-F238E27FC236}">
-                <a16:creationId xmlns:a16="http://schemas.microsoft.com/office/drawing/2014/main" id="{38B67018-86A5-764E-9D63-45F01FDAA708}"/>
-              </a:ext>
-            </a:extLst>
-          </p:cNvPr>
-          <p:cNvPicPr>
-            <a:picLocks noChangeAspect="1"/>
-          </p:cNvPicPr>
-          <p:nvPr/>
-        </p:nvPicPr>
-        <p:blipFill>
-          <a:blip r:embed="rId3">
-            <a:extLst>
-              <a:ext uri="{28A0092B-C50C-407E-A947-70E740481C1C}">
-                <a14:useLocalDpi xmlns:a14="http://schemas.microsoft.com/office/drawing/2010/main" val="0"/>
-              </a:ext>
-            </a:extLst>
-          </a:blip>
-          <a:stretch>
-            <a:fillRect/>
-          </a:stretch>
-        </p:blipFill>
-        <p:spPr>
-          <a:xfrm>
-            <a:off x="214859" y="1095054"/>
-            <a:ext cx="4557970" cy="4769842"/>
-          </a:xfrm>
-          <a:prstGeom prst="rect">
-            <a:avLst/>
-          </a:prstGeom>
-        </p:spPr>
-      </p:pic>
-      <p:pic>
-        <p:nvPicPr>
-          <p:cNvPr id="8" name="図 7">
-            <a:extLst>
-              <a:ext uri="{FF2B5EF4-FFF2-40B4-BE49-F238E27FC236}">
-                <a16:creationId xmlns:a16="http://schemas.microsoft.com/office/drawing/2014/main" id="{FAD97328-C74E-BC2C-6354-249E8E32AA87}"/>
-              </a:ext>
-            </a:extLst>
-          </p:cNvPr>
-          <p:cNvPicPr>
-            <a:picLocks noChangeAspect="1"/>
-          </p:cNvPicPr>
-          <p:nvPr/>
-        </p:nvPicPr>
-        <p:blipFill>
-          <a:blip r:embed="rId4">
-            <a:extLst>
-              <a:ext uri="{28A0092B-C50C-407E-A947-70E740481C1C}">
-                <a14:useLocalDpi xmlns:a14="http://schemas.microsoft.com/office/drawing/2010/main" val="0"/>
-              </a:ext>
-            </a:extLst>
-          </a:blip>
-          <a:stretch>
-            <a:fillRect/>
-          </a:stretch>
-        </p:blipFill>
-        <p:spPr>
-          <a:xfrm>
-            <a:off x="4247307" y="1095054"/>
-            <a:ext cx="11019408" cy="4822009"/>
-          </a:xfrm>
-          <a:prstGeom prst="rect">
-            <a:avLst/>
-          </a:prstGeom>
-        </p:spPr>
-      </p:pic>
-      <p:pic>
-        <p:nvPicPr>
-          <p:cNvPr id="9" name="図 8">
-            <a:extLst>
-              <a:ext uri="{FF2B5EF4-FFF2-40B4-BE49-F238E27FC236}">
-                <a16:creationId xmlns:a16="http://schemas.microsoft.com/office/drawing/2014/main" id="{C5481412-4A7F-D042-62E8-D4BFD474F765}"/>
-              </a:ext>
-            </a:extLst>
-          </p:cNvPr>
-          <p:cNvPicPr>
-            <a:picLocks noChangeAspect="1"/>
-          </p:cNvPicPr>
-          <p:nvPr/>
-        </p:nvPicPr>
-        <p:blipFill>
-          <a:blip r:embed="rId4">
-            <a:extLst>
-              <a:ext uri="{28A0092B-C50C-407E-A947-70E740481C1C}">
-                <a14:useLocalDpi xmlns:a14="http://schemas.microsoft.com/office/drawing/2010/main" val="0"/>
-              </a:ext>
-            </a:extLst>
-          </a:blip>
-          <a:stretch>
-            <a:fillRect/>
-          </a:stretch>
-        </p:blipFill>
-        <p:spPr>
-          <a:xfrm>
-            <a:off x="-505221" y="5917064"/>
-            <a:ext cx="16057784" cy="4541410"/>
-          </a:xfrm>
-          <a:prstGeom prst="rect">
-            <a:avLst/>
-          </a:prstGeom>
-        </p:spPr>
-      </p:pic>
       <p:sp>
         <p:nvSpPr>
           <p:cNvPr id="10" name="テキスト ボックス 9">
@@ -7940,7 +7832,7 @@
         </p:nvSpPr>
         <p:spPr>
           <a:xfrm>
-            <a:off x="349742" y="1226600"/>
+            <a:off x="228586" y="1129933"/>
             <a:ext cx="3790135" cy="375937"/>
           </a:xfrm>
           <a:prstGeom prst="rect">
@@ -7992,7 +7884,7 @@
         </p:nvSpPr>
         <p:spPr>
           <a:xfrm>
-            <a:off x="4832160" y="1262993"/>
+            <a:off x="4833059" y="1192058"/>
             <a:ext cx="3790135" cy="375937"/>
           </a:xfrm>
           <a:prstGeom prst="rect">
@@ -8044,7 +7936,7 @@
         </p:nvSpPr>
         <p:spPr>
           <a:xfrm>
-            <a:off x="364169" y="5990511"/>
+            <a:off x="142851" y="6131220"/>
             <a:ext cx="3790135" cy="375937"/>
           </a:xfrm>
           <a:prstGeom prst="rect">
@@ -8082,6 +7974,947 @@
           </a:p>
         </p:txBody>
       </p:sp>
+      <p:grpSp>
+        <p:nvGrpSpPr>
+          <p:cNvPr id="18" name="グループ化 17">
+            <a:extLst>
+              <a:ext uri="{FF2B5EF4-FFF2-40B4-BE49-F238E27FC236}">
+                <a16:creationId xmlns:a16="http://schemas.microsoft.com/office/drawing/2014/main" id="{263B3CE9-64AC-6952-F617-58F6F83D9BD5}"/>
+              </a:ext>
+            </a:extLst>
+          </p:cNvPr>
+          <p:cNvGrpSpPr/>
+          <p:nvPr/>
+        </p:nvGrpSpPr>
+        <p:grpSpPr>
+          <a:xfrm>
+            <a:off x="55701" y="1216429"/>
+            <a:ext cx="5093385" cy="4129477"/>
+            <a:chOff x="276561" y="114972"/>
+            <a:chExt cx="11638878" cy="6628056"/>
+          </a:xfrm>
+        </p:grpSpPr>
+        <p:sp>
+          <p:nvSpPr>
+            <p:cNvPr id="19" name="正方形/長方形 18">
+              <a:extLst>
+                <a:ext uri="{FF2B5EF4-FFF2-40B4-BE49-F238E27FC236}">
+                  <a16:creationId xmlns:a16="http://schemas.microsoft.com/office/drawing/2014/main" id="{9978DB33-10EC-9EA8-9007-176CD3449942}"/>
+                </a:ext>
+              </a:extLst>
+            </p:cNvPr>
+            <p:cNvSpPr/>
+            <p:nvPr/>
+          </p:nvSpPr>
+          <p:spPr>
+            <a:xfrm>
+              <a:off x="276561" y="114972"/>
+              <a:ext cx="11638878" cy="6628056"/>
+            </a:xfrm>
+            <a:prstGeom prst="rect">
+              <a:avLst/>
+            </a:prstGeom>
+            <a:solidFill>
+              <a:schemeClr val="bg1"/>
+            </a:solidFill>
+            <a:ln w="57150">
+              <a:solidFill>
+                <a:srgbClr val="207178"/>
+              </a:solidFill>
+            </a:ln>
+          </p:spPr>
+          <p:style>
+            <a:lnRef idx="2">
+              <a:schemeClr val="accent1">
+                <a:shade val="50000"/>
+              </a:schemeClr>
+            </a:lnRef>
+            <a:fillRef idx="1">
+              <a:schemeClr val="accent1"/>
+            </a:fillRef>
+            <a:effectRef idx="0">
+              <a:schemeClr val="accent1"/>
+            </a:effectRef>
+            <a:fontRef idx="minor">
+              <a:schemeClr val="lt1"/>
+            </a:fontRef>
+          </p:style>
+          <p:txBody>
+            <a:bodyPr rtlCol="0" anchor="ctr"/>
+            <a:lstStyle/>
+            <a:p>
+              <a:pPr algn="ctr"/>
+              <a:endParaRPr kumimoji="1" lang="ja-JP" altLang="en-US"/>
+            </a:p>
+          </p:txBody>
+        </p:sp>
+        <p:sp>
+          <p:nvSpPr>
+            <p:cNvPr id="20" name="正方形/長方形 19">
+              <a:extLst>
+                <a:ext uri="{FF2B5EF4-FFF2-40B4-BE49-F238E27FC236}">
+                  <a16:creationId xmlns:a16="http://schemas.microsoft.com/office/drawing/2014/main" id="{0A5024CE-AEB6-297C-A7BD-ED4273E65FCB}"/>
+                </a:ext>
+              </a:extLst>
+            </p:cNvPr>
+            <p:cNvSpPr/>
+            <p:nvPr/>
+          </p:nvSpPr>
+          <p:spPr>
+            <a:xfrm>
+              <a:off x="276561" y="114974"/>
+              <a:ext cx="11638878" cy="627305"/>
+            </a:xfrm>
+            <a:prstGeom prst="rect">
+              <a:avLst/>
+            </a:prstGeom>
+            <a:solidFill>
+              <a:srgbClr val="207178"/>
+            </a:solidFill>
+            <a:ln w="57150">
+              <a:solidFill>
+                <a:srgbClr val="207178"/>
+              </a:solidFill>
+            </a:ln>
+          </p:spPr>
+          <p:style>
+            <a:lnRef idx="2">
+              <a:schemeClr val="accent1">
+                <a:shade val="50000"/>
+              </a:schemeClr>
+            </a:lnRef>
+            <a:fillRef idx="1">
+              <a:schemeClr val="accent1"/>
+            </a:fillRef>
+            <a:effectRef idx="0">
+              <a:schemeClr val="accent1"/>
+            </a:effectRef>
+            <a:fontRef idx="minor">
+              <a:schemeClr val="lt1"/>
+            </a:fontRef>
+          </p:style>
+          <p:txBody>
+            <a:bodyPr rtlCol="0" anchor="ctr"/>
+            <a:lstStyle/>
+            <a:p>
+              <a:pPr algn="ctr"/>
+              <a:r>
+                <a:rPr kumimoji="1" lang="en-US" altLang="ja-JP" dirty="0"/>
+                <a:t>1.1</a:t>
+              </a:r>
+              <a:r>
+                <a:rPr kumimoji="1" lang="ja-JP" altLang="en-US" dirty="0"/>
+                <a:t>　攻略方針</a:t>
+              </a:r>
+            </a:p>
+          </p:txBody>
+        </p:sp>
+      </p:grpSp>
+      <p:grpSp>
+        <p:nvGrpSpPr>
+          <p:cNvPr id="2" name="グループ化 1">
+            <a:extLst>
+              <a:ext uri="{FF2B5EF4-FFF2-40B4-BE49-F238E27FC236}">
+                <a16:creationId xmlns:a16="http://schemas.microsoft.com/office/drawing/2014/main" id="{59482CB2-1D89-952E-BD14-FEA5DCAE46E8}"/>
+              </a:ext>
+            </a:extLst>
+          </p:cNvPr>
+          <p:cNvGrpSpPr/>
+          <p:nvPr/>
+        </p:nvGrpSpPr>
+        <p:grpSpPr>
+          <a:xfrm>
+            <a:off x="1116758" y="1884725"/>
+            <a:ext cx="2389265" cy="2237045"/>
+            <a:chOff x="5448116" y="2537594"/>
+            <a:chExt cx="5715679" cy="7602995"/>
+          </a:xfrm>
+        </p:grpSpPr>
+        <p:grpSp>
+          <p:nvGrpSpPr>
+            <p:cNvPr id="6" name="グループ化 5">
+              <a:extLst>
+                <a:ext uri="{FF2B5EF4-FFF2-40B4-BE49-F238E27FC236}">
+                  <a16:creationId xmlns:a16="http://schemas.microsoft.com/office/drawing/2014/main" id="{7733D5D0-C5E7-5D5E-B8F3-2DB4300E9512}"/>
+                </a:ext>
+              </a:extLst>
+            </p:cNvPr>
+            <p:cNvGrpSpPr/>
+            <p:nvPr/>
+          </p:nvGrpSpPr>
+          <p:grpSpPr>
+            <a:xfrm>
+              <a:off x="5448116" y="2537594"/>
+              <a:ext cx="5715679" cy="7602995"/>
+              <a:chOff x="4121250" y="2338393"/>
+              <a:chExt cx="5083001" cy="6814224"/>
+            </a:xfrm>
+          </p:grpSpPr>
+          <p:pic>
+            <p:nvPicPr>
+              <p:cNvPr id="14" name="図 13">
+                <a:extLst>
+                  <a:ext uri="{FF2B5EF4-FFF2-40B4-BE49-F238E27FC236}">
+                    <a16:creationId xmlns:a16="http://schemas.microsoft.com/office/drawing/2014/main" id="{5B96D346-C8E8-9AE5-0F67-F0C9671E01BE}"/>
+                  </a:ext>
+                </a:extLst>
+              </p:cNvPr>
+              <p:cNvPicPr>
+                <a:picLocks noChangeAspect="1"/>
+              </p:cNvPicPr>
+              <p:nvPr/>
+            </p:nvPicPr>
+            <p:blipFill>
+              <a:blip r:embed="rId3">
+                <a:extLst>
+                  <a:ext uri="{28A0092B-C50C-407E-A947-70E740481C1C}">
+                    <a14:useLocalDpi xmlns:a14="http://schemas.microsoft.com/office/drawing/2010/main" val="0"/>
+                  </a:ext>
+                </a:extLst>
+              </a:blip>
+              <a:stretch>
+                <a:fillRect/>
+              </a:stretch>
+            </p:blipFill>
+            <p:spPr>
+              <a:xfrm>
+                <a:off x="4121250" y="2338393"/>
+                <a:ext cx="5083001" cy="6814224"/>
+              </a:xfrm>
+              <a:prstGeom prst="rect">
+                <a:avLst/>
+              </a:prstGeom>
+            </p:spPr>
+          </p:pic>
+          <p:sp>
+            <p:nvSpPr>
+              <p:cNvPr id="15" name="正方形/長方形 15">
+                <a:extLst>
+                  <a:ext uri="{FF2B5EF4-FFF2-40B4-BE49-F238E27FC236}">
+                    <a16:creationId xmlns:a16="http://schemas.microsoft.com/office/drawing/2014/main" id="{27ADCC91-89DA-77B1-F2EA-7A8240A09DB2}"/>
+                  </a:ext>
+                </a:extLst>
+              </p:cNvPr>
+              <p:cNvSpPr/>
+              <p:nvPr/>
+            </p:nvSpPr>
+            <p:spPr>
+              <a:xfrm>
+                <a:off x="8495779" y="2338394"/>
+                <a:ext cx="636029" cy="6620270"/>
+              </a:xfrm>
+              <a:custGeom>
+                <a:avLst/>
+                <a:gdLst>
+                  <a:gd name="connsiteX0" fmla="*/ 0 w 636029"/>
+                  <a:gd name="connsiteY0" fmla="*/ 0 h 6607913"/>
+                  <a:gd name="connsiteX1" fmla="*/ 636029 w 636029"/>
+                  <a:gd name="connsiteY1" fmla="*/ 0 h 6607913"/>
+                  <a:gd name="connsiteX2" fmla="*/ 636029 w 636029"/>
+                  <a:gd name="connsiteY2" fmla="*/ 6607913 h 6607913"/>
+                  <a:gd name="connsiteX3" fmla="*/ 0 w 636029"/>
+                  <a:gd name="connsiteY3" fmla="*/ 6607913 h 6607913"/>
+                  <a:gd name="connsiteX4" fmla="*/ 0 w 636029"/>
+                  <a:gd name="connsiteY4" fmla="*/ 0 h 6607913"/>
+                  <a:gd name="connsiteX0" fmla="*/ 0 w 636029"/>
+                  <a:gd name="connsiteY0" fmla="*/ 0 h 6620270"/>
+                  <a:gd name="connsiteX1" fmla="*/ 636029 w 636029"/>
+                  <a:gd name="connsiteY1" fmla="*/ 0 h 6620270"/>
+                  <a:gd name="connsiteX2" fmla="*/ 636029 w 636029"/>
+                  <a:gd name="connsiteY2" fmla="*/ 6607913 h 6620270"/>
+                  <a:gd name="connsiteX3" fmla="*/ 12357 w 636029"/>
+                  <a:gd name="connsiteY3" fmla="*/ 6620270 h 6620270"/>
+                  <a:gd name="connsiteX4" fmla="*/ 0 w 636029"/>
+                  <a:gd name="connsiteY4" fmla="*/ 0 h 6620270"/>
+                  <a:gd name="connsiteX0" fmla="*/ 0 w 636029"/>
+                  <a:gd name="connsiteY0" fmla="*/ 0 h 6620270"/>
+                  <a:gd name="connsiteX1" fmla="*/ 636029 w 636029"/>
+                  <a:gd name="connsiteY1" fmla="*/ 0 h 6620270"/>
+                  <a:gd name="connsiteX2" fmla="*/ 636029 w 636029"/>
+                  <a:gd name="connsiteY2" fmla="*/ 6607913 h 6620270"/>
+                  <a:gd name="connsiteX3" fmla="*/ 12357 w 636029"/>
+                  <a:gd name="connsiteY3" fmla="*/ 6620270 h 6620270"/>
+                  <a:gd name="connsiteX4" fmla="*/ 8141 w 636029"/>
+                  <a:gd name="connsiteY4" fmla="*/ 5789606 h 6620270"/>
+                  <a:gd name="connsiteX5" fmla="*/ 0 w 636029"/>
+                  <a:gd name="connsiteY5" fmla="*/ 0 h 6620270"/>
+                  <a:gd name="connsiteX0" fmla="*/ 0 w 636029"/>
+                  <a:gd name="connsiteY0" fmla="*/ 0 h 6620270"/>
+                  <a:gd name="connsiteX1" fmla="*/ 636029 w 636029"/>
+                  <a:gd name="connsiteY1" fmla="*/ 0 h 6620270"/>
+                  <a:gd name="connsiteX2" fmla="*/ 636029 w 636029"/>
+                  <a:gd name="connsiteY2" fmla="*/ 6607913 h 6620270"/>
+                  <a:gd name="connsiteX3" fmla="*/ 12357 w 636029"/>
+                  <a:gd name="connsiteY3" fmla="*/ 6620270 h 6620270"/>
+                  <a:gd name="connsiteX4" fmla="*/ 8141 w 636029"/>
+                  <a:gd name="connsiteY4" fmla="*/ 5789606 h 6620270"/>
+                  <a:gd name="connsiteX5" fmla="*/ 0 w 636029"/>
+                  <a:gd name="connsiteY5" fmla="*/ 0 h 6620270"/>
+                </a:gdLst>
+                <a:ahLst/>
+                <a:cxnLst>
+                  <a:cxn ang="0">
+                    <a:pos x="connsiteX0" y="connsiteY0"/>
+                  </a:cxn>
+                  <a:cxn ang="0">
+                    <a:pos x="connsiteX1" y="connsiteY1"/>
+                  </a:cxn>
+                  <a:cxn ang="0">
+                    <a:pos x="connsiteX2" y="connsiteY2"/>
+                  </a:cxn>
+                  <a:cxn ang="0">
+                    <a:pos x="connsiteX3" y="connsiteY3"/>
+                  </a:cxn>
+                  <a:cxn ang="0">
+                    <a:pos x="connsiteX4" y="connsiteY4"/>
+                  </a:cxn>
+                  <a:cxn ang="0">
+                    <a:pos x="connsiteX5" y="connsiteY5"/>
+                  </a:cxn>
+                </a:cxnLst>
+                <a:rect l="l" t="t" r="r" b="b"/>
+                <a:pathLst>
+                  <a:path w="636029" h="6620270">
+                    <a:moveTo>
+                      <a:pt x="0" y="0"/>
+                    </a:moveTo>
+                    <a:lnTo>
+                      <a:pt x="636029" y="0"/>
+                    </a:lnTo>
+                    <a:lnTo>
+                      <a:pt x="636029" y="6607913"/>
+                    </a:lnTo>
+                    <a:lnTo>
+                      <a:pt x="12357" y="6620270"/>
+                    </a:lnTo>
+                    <a:cubicBezTo>
+                      <a:pt x="4178" y="6390795"/>
+                      <a:pt x="16320" y="6019081"/>
+                      <a:pt x="8141" y="5789606"/>
+                    </a:cubicBezTo>
+                    <a:cubicBezTo>
+                      <a:pt x="5427" y="3859737"/>
+                      <a:pt x="2714" y="1929869"/>
+                      <a:pt x="0" y="0"/>
+                    </a:cubicBezTo>
+                    <a:close/>
+                  </a:path>
+                </a:pathLst>
+              </a:custGeom>
+              <a:solidFill>
+                <a:schemeClr val="accent1">
+                  <a:alpha val="50000"/>
+                </a:schemeClr>
+              </a:solidFill>
+              <a:ln>
+                <a:solidFill>
+                  <a:srgbClr val="A1B8E1"/>
+                </a:solidFill>
+              </a:ln>
+            </p:spPr>
+            <p:style>
+              <a:lnRef idx="2">
+                <a:schemeClr val="accent1">
+                  <a:shade val="15000"/>
+                </a:schemeClr>
+              </a:lnRef>
+              <a:fillRef idx="1">
+                <a:schemeClr val="accent1"/>
+              </a:fillRef>
+              <a:effectRef idx="0">
+                <a:schemeClr val="accent1"/>
+              </a:effectRef>
+              <a:fontRef idx="minor">
+                <a:schemeClr val="lt1"/>
+              </a:fontRef>
+            </p:style>
+            <p:txBody>
+              <a:bodyPr rtlCol="0" anchor="ctr"/>
+              <a:lstStyle/>
+              <a:p>
+                <a:pPr algn="ctr"/>
+                <a:endParaRPr kumimoji="1" lang="ja-JP" altLang="en-US"/>
+              </a:p>
+            </p:txBody>
+          </p:sp>
+          <p:sp>
+            <p:nvSpPr>
+              <p:cNvPr id="16" name="正方形/長方形 15">
+                <a:extLst>
+                  <a:ext uri="{FF2B5EF4-FFF2-40B4-BE49-F238E27FC236}">
+                    <a16:creationId xmlns:a16="http://schemas.microsoft.com/office/drawing/2014/main" id="{B66AE40A-70E3-0655-6DF1-78D338CCE05E}"/>
+                  </a:ext>
+                </a:extLst>
+              </p:cNvPr>
+              <p:cNvSpPr/>
+              <p:nvPr/>
+            </p:nvSpPr>
+            <p:spPr>
+              <a:xfrm>
+                <a:off x="4391324" y="8353420"/>
+                <a:ext cx="4104455" cy="592885"/>
+              </a:xfrm>
+              <a:prstGeom prst="rect">
+                <a:avLst/>
+              </a:prstGeom>
+              <a:solidFill>
+                <a:schemeClr val="accent1">
+                  <a:alpha val="50000"/>
+                </a:schemeClr>
+              </a:solidFill>
+              <a:ln>
+                <a:solidFill>
+                  <a:srgbClr val="A1B8E1"/>
+                </a:solidFill>
+              </a:ln>
+            </p:spPr>
+            <p:style>
+              <a:lnRef idx="2">
+                <a:schemeClr val="accent1">
+                  <a:shade val="15000"/>
+                </a:schemeClr>
+              </a:lnRef>
+              <a:fillRef idx="1">
+                <a:schemeClr val="accent1"/>
+              </a:fillRef>
+              <a:effectRef idx="0">
+                <a:schemeClr val="accent1"/>
+              </a:effectRef>
+              <a:fontRef idx="minor">
+                <a:schemeClr val="lt1"/>
+              </a:fontRef>
+            </p:style>
+            <p:txBody>
+              <a:bodyPr rtlCol="0" anchor="ctr"/>
+              <a:lstStyle/>
+              <a:p>
+                <a:pPr algn="ctr"/>
+                <a:endParaRPr kumimoji="1" lang="ja-JP" altLang="en-US"/>
+              </a:p>
+            </p:txBody>
+          </p:sp>
+          <p:sp>
+            <p:nvSpPr>
+              <p:cNvPr id="17" name="正方形/長方形 16">
+                <a:extLst>
+                  <a:ext uri="{FF2B5EF4-FFF2-40B4-BE49-F238E27FC236}">
+                    <a16:creationId xmlns:a16="http://schemas.microsoft.com/office/drawing/2014/main" id="{05FCCB20-8957-C3FA-CCFF-56A28C9967F6}"/>
+                  </a:ext>
+                </a:extLst>
+              </p:cNvPr>
+              <p:cNvSpPr/>
+              <p:nvPr/>
+            </p:nvSpPr>
+            <p:spPr>
+              <a:xfrm>
+                <a:off x="4391324" y="7748176"/>
+                <a:ext cx="636029" cy="592885"/>
+              </a:xfrm>
+              <a:prstGeom prst="rect">
+                <a:avLst/>
+              </a:prstGeom>
+              <a:solidFill>
+                <a:schemeClr val="accent1">
+                  <a:alpha val="50000"/>
+                </a:schemeClr>
+              </a:solidFill>
+              <a:ln>
+                <a:solidFill>
+                  <a:srgbClr val="A1B8E1"/>
+                </a:solidFill>
+              </a:ln>
+            </p:spPr>
+            <p:style>
+              <a:lnRef idx="2">
+                <a:schemeClr val="accent1">
+                  <a:shade val="15000"/>
+                </a:schemeClr>
+              </a:lnRef>
+              <a:fillRef idx="1">
+                <a:schemeClr val="accent1"/>
+              </a:fillRef>
+              <a:effectRef idx="0">
+                <a:schemeClr val="accent1"/>
+              </a:effectRef>
+              <a:fontRef idx="minor">
+                <a:schemeClr val="lt1"/>
+              </a:fontRef>
+            </p:style>
+            <p:txBody>
+              <a:bodyPr rtlCol="0" anchor="ctr"/>
+              <a:lstStyle/>
+              <a:p>
+                <a:pPr algn="ctr"/>
+                <a:endParaRPr kumimoji="1" lang="ja-JP" altLang="en-US"/>
+              </a:p>
+            </p:txBody>
+          </p:sp>
+        </p:grpSp>
+        <p:sp>
+          <p:nvSpPr>
+            <p:cNvPr id="13" name="正方形/長方形 21">
+              <a:extLst>
+                <a:ext uri="{FF2B5EF4-FFF2-40B4-BE49-F238E27FC236}">
+                  <a16:creationId xmlns:a16="http://schemas.microsoft.com/office/drawing/2014/main" id="{7983611B-3879-7A07-E535-65B9F01C6C99}"/>
+                </a:ext>
+              </a:extLst>
+            </p:cNvPr>
+            <p:cNvSpPr/>
+            <p:nvPr/>
+          </p:nvSpPr>
+          <p:spPr>
+            <a:xfrm>
+              <a:off x="5731187" y="2552072"/>
+              <a:ext cx="4615335" cy="6612249"/>
+            </a:xfrm>
+            <a:custGeom>
+              <a:avLst/>
+              <a:gdLst>
+                <a:gd name="connsiteX0" fmla="*/ 0 w 4615335"/>
+                <a:gd name="connsiteY0" fmla="*/ 0 h 6000035"/>
+                <a:gd name="connsiteX1" fmla="*/ 4615335 w 4615335"/>
+                <a:gd name="connsiteY1" fmla="*/ 0 h 6000035"/>
+                <a:gd name="connsiteX2" fmla="*/ 4615335 w 4615335"/>
+                <a:gd name="connsiteY2" fmla="*/ 6000035 h 6000035"/>
+                <a:gd name="connsiteX3" fmla="*/ 0 w 4615335"/>
+                <a:gd name="connsiteY3" fmla="*/ 6000035 h 6000035"/>
+                <a:gd name="connsiteX4" fmla="*/ 0 w 4615335"/>
+                <a:gd name="connsiteY4" fmla="*/ 0 h 6000035"/>
+                <a:gd name="connsiteX0" fmla="*/ 0 w 4615335"/>
+                <a:gd name="connsiteY0" fmla="*/ 0 h 6033129"/>
+                <a:gd name="connsiteX1" fmla="*/ 4615335 w 4615335"/>
+                <a:gd name="connsiteY1" fmla="*/ 0 h 6033129"/>
+                <a:gd name="connsiteX2" fmla="*/ 4615335 w 4615335"/>
+                <a:gd name="connsiteY2" fmla="*/ 6000035 h 6033129"/>
+                <a:gd name="connsiteX3" fmla="*/ 1309693 w 4615335"/>
+                <a:gd name="connsiteY3" fmla="*/ 6033129 h 6033129"/>
+                <a:gd name="connsiteX4" fmla="*/ 0 w 4615335"/>
+                <a:gd name="connsiteY4" fmla="*/ 6000035 h 6033129"/>
+                <a:gd name="connsiteX5" fmla="*/ 0 w 4615335"/>
+                <a:gd name="connsiteY5" fmla="*/ 0 h 6033129"/>
+                <a:gd name="connsiteX0" fmla="*/ 0 w 4615335"/>
+                <a:gd name="connsiteY0" fmla="*/ 0 h 6038243"/>
+                <a:gd name="connsiteX1" fmla="*/ 4615335 w 4615335"/>
+                <a:gd name="connsiteY1" fmla="*/ 0 h 6038243"/>
+                <a:gd name="connsiteX2" fmla="*/ 4615335 w 4615335"/>
+                <a:gd name="connsiteY2" fmla="*/ 6000035 h 6038243"/>
+                <a:gd name="connsiteX3" fmla="*/ 1309693 w 4615335"/>
+                <a:gd name="connsiteY3" fmla="*/ 6033129 h 6038243"/>
+                <a:gd name="connsiteX4" fmla="*/ 0 w 4615335"/>
+                <a:gd name="connsiteY4" fmla="*/ 6000035 h 6038243"/>
+                <a:gd name="connsiteX5" fmla="*/ 0 w 4615335"/>
+                <a:gd name="connsiteY5" fmla="*/ 0 h 6038243"/>
+                <a:gd name="connsiteX0" fmla="*/ 0 w 4615335"/>
+                <a:gd name="connsiteY0" fmla="*/ 0 h 6000035"/>
+                <a:gd name="connsiteX1" fmla="*/ 4615335 w 4615335"/>
+                <a:gd name="connsiteY1" fmla="*/ 0 h 6000035"/>
+                <a:gd name="connsiteX2" fmla="*/ 4615335 w 4615335"/>
+                <a:gd name="connsiteY2" fmla="*/ 6000035 h 6000035"/>
+                <a:gd name="connsiteX3" fmla="*/ 1289373 w 4615335"/>
+                <a:gd name="connsiteY3" fmla="*/ 5972169 h 6000035"/>
+                <a:gd name="connsiteX4" fmla="*/ 0 w 4615335"/>
+                <a:gd name="connsiteY4" fmla="*/ 6000035 h 6000035"/>
+                <a:gd name="connsiteX5" fmla="*/ 0 w 4615335"/>
+                <a:gd name="connsiteY5" fmla="*/ 0 h 6000035"/>
+                <a:gd name="connsiteX0" fmla="*/ 0 w 4615335"/>
+                <a:gd name="connsiteY0" fmla="*/ 0 h 6001368"/>
+                <a:gd name="connsiteX1" fmla="*/ 4615335 w 4615335"/>
+                <a:gd name="connsiteY1" fmla="*/ 0 h 6001368"/>
+                <a:gd name="connsiteX2" fmla="*/ 4615335 w 4615335"/>
+                <a:gd name="connsiteY2" fmla="*/ 6000035 h 6001368"/>
+                <a:gd name="connsiteX3" fmla="*/ 1289373 w 4615335"/>
+                <a:gd name="connsiteY3" fmla="*/ 5972169 h 6001368"/>
+                <a:gd name="connsiteX4" fmla="*/ 0 w 4615335"/>
+                <a:gd name="connsiteY4" fmla="*/ 6000035 h 6001368"/>
+                <a:gd name="connsiteX5" fmla="*/ 0 w 4615335"/>
+                <a:gd name="connsiteY5" fmla="*/ 0 h 6001368"/>
+                <a:gd name="connsiteX0" fmla="*/ 0 w 4615335"/>
+                <a:gd name="connsiteY0" fmla="*/ 0 h 6544079"/>
+                <a:gd name="connsiteX1" fmla="*/ 4615335 w 4615335"/>
+                <a:gd name="connsiteY1" fmla="*/ 0 h 6544079"/>
+                <a:gd name="connsiteX2" fmla="*/ 4615335 w 4615335"/>
+                <a:gd name="connsiteY2" fmla="*/ 6000035 h 6544079"/>
+                <a:gd name="connsiteX3" fmla="*/ 1309693 w 4615335"/>
+                <a:gd name="connsiteY3" fmla="*/ 6541129 h 6544079"/>
+                <a:gd name="connsiteX4" fmla="*/ 0 w 4615335"/>
+                <a:gd name="connsiteY4" fmla="*/ 6000035 h 6544079"/>
+                <a:gd name="connsiteX5" fmla="*/ 0 w 4615335"/>
+                <a:gd name="connsiteY5" fmla="*/ 0 h 6544079"/>
+                <a:gd name="connsiteX0" fmla="*/ 0 w 4615335"/>
+                <a:gd name="connsiteY0" fmla="*/ 0 h 6541129"/>
+                <a:gd name="connsiteX1" fmla="*/ 4615335 w 4615335"/>
+                <a:gd name="connsiteY1" fmla="*/ 0 h 6541129"/>
+                <a:gd name="connsiteX2" fmla="*/ 4615335 w 4615335"/>
+                <a:gd name="connsiteY2" fmla="*/ 6000035 h 6541129"/>
+                <a:gd name="connsiteX3" fmla="*/ 1309693 w 4615335"/>
+                <a:gd name="connsiteY3" fmla="*/ 6541129 h 6541129"/>
+                <a:gd name="connsiteX4" fmla="*/ 0 w 4615335"/>
+                <a:gd name="connsiteY4" fmla="*/ 6000035 h 6541129"/>
+                <a:gd name="connsiteX5" fmla="*/ 0 w 4615335"/>
+                <a:gd name="connsiteY5" fmla="*/ 0 h 6541129"/>
+                <a:gd name="connsiteX0" fmla="*/ 0 w 4615335"/>
+                <a:gd name="connsiteY0" fmla="*/ 0 h 6551289"/>
+                <a:gd name="connsiteX1" fmla="*/ 4615335 w 4615335"/>
+                <a:gd name="connsiteY1" fmla="*/ 0 h 6551289"/>
+                <a:gd name="connsiteX2" fmla="*/ 4615335 w 4615335"/>
+                <a:gd name="connsiteY2" fmla="*/ 6000035 h 6551289"/>
+                <a:gd name="connsiteX3" fmla="*/ 781373 w 4615335"/>
+                <a:gd name="connsiteY3" fmla="*/ 6551289 h 6551289"/>
+                <a:gd name="connsiteX4" fmla="*/ 0 w 4615335"/>
+                <a:gd name="connsiteY4" fmla="*/ 6000035 h 6551289"/>
+                <a:gd name="connsiteX5" fmla="*/ 0 w 4615335"/>
+                <a:gd name="connsiteY5" fmla="*/ 0 h 6551289"/>
+                <a:gd name="connsiteX0" fmla="*/ 0 w 4615335"/>
+                <a:gd name="connsiteY0" fmla="*/ 0 h 6551289"/>
+                <a:gd name="connsiteX1" fmla="*/ 4615335 w 4615335"/>
+                <a:gd name="connsiteY1" fmla="*/ 0 h 6551289"/>
+                <a:gd name="connsiteX2" fmla="*/ 4615335 w 4615335"/>
+                <a:gd name="connsiteY2" fmla="*/ 6000035 h 6551289"/>
+                <a:gd name="connsiteX3" fmla="*/ 781373 w 4615335"/>
+                <a:gd name="connsiteY3" fmla="*/ 6551289 h 6551289"/>
+                <a:gd name="connsiteX4" fmla="*/ 0 w 4615335"/>
+                <a:gd name="connsiteY4" fmla="*/ 6000035 h 6551289"/>
+                <a:gd name="connsiteX5" fmla="*/ 0 w 4615335"/>
+                <a:gd name="connsiteY5" fmla="*/ 0 h 6551289"/>
+                <a:gd name="connsiteX0" fmla="*/ 0 w 4615335"/>
+                <a:gd name="connsiteY0" fmla="*/ 0 h 6579155"/>
+                <a:gd name="connsiteX1" fmla="*/ 4615335 w 4615335"/>
+                <a:gd name="connsiteY1" fmla="*/ 0 h 6579155"/>
+                <a:gd name="connsiteX2" fmla="*/ 4605175 w 4615335"/>
+                <a:gd name="connsiteY2" fmla="*/ 6579155 h 6579155"/>
+                <a:gd name="connsiteX3" fmla="*/ 781373 w 4615335"/>
+                <a:gd name="connsiteY3" fmla="*/ 6551289 h 6579155"/>
+                <a:gd name="connsiteX4" fmla="*/ 0 w 4615335"/>
+                <a:gd name="connsiteY4" fmla="*/ 6000035 h 6579155"/>
+                <a:gd name="connsiteX5" fmla="*/ 0 w 4615335"/>
+                <a:gd name="connsiteY5" fmla="*/ 0 h 6579155"/>
+                <a:gd name="connsiteX0" fmla="*/ 0 w 4615335"/>
+                <a:gd name="connsiteY0" fmla="*/ 0 h 6579155"/>
+                <a:gd name="connsiteX1" fmla="*/ 4615335 w 4615335"/>
+                <a:gd name="connsiteY1" fmla="*/ 0 h 6579155"/>
+                <a:gd name="connsiteX2" fmla="*/ 4605175 w 4615335"/>
+                <a:gd name="connsiteY2" fmla="*/ 6579155 h 6579155"/>
+                <a:gd name="connsiteX3" fmla="*/ 781373 w 4615335"/>
+                <a:gd name="connsiteY3" fmla="*/ 6551289 h 6579155"/>
+                <a:gd name="connsiteX4" fmla="*/ 0 w 4615335"/>
+                <a:gd name="connsiteY4" fmla="*/ 6000035 h 6579155"/>
+                <a:gd name="connsiteX5" fmla="*/ 0 w 4615335"/>
+                <a:gd name="connsiteY5" fmla="*/ 0 h 6579155"/>
+                <a:gd name="connsiteX0" fmla="*/ 0 w 4615335"/>
+                <a:gd name="connsiteY0" fmla="*/ 0 h 6579155"/>
+                <a:gd name="connsiteX1" fmla="*/ 4615335 w 4615335"/>
+                <a:gd name="connsiteY1" fmla="*/ 0 h 6579155"/>
+                <a:gd name="connsiteX2" fmla="*/ 4605175 w 4615335"/>
+                <a:gd name="connsiteY2" fmla="*/ 6579155 h 6579155"/>
+                <a:gd name="connsiteX3" fmla="*/ 781373 w 4615335"/>
+                <a:gd name="connsiteY3" fmla="*/ 6551289 h 6579155"/>
+                <a:gd name="connsiteX4" fmla="*/ 0 w 4615335"/>
+                <a:gd name="connsiteY4" fmla="*/ 6000035 h 6579155"/>
+                <a:gd name="connsiteX5" fmla="*/ 0 w 4615335"/>
+                <a:gd name="connsiteY5" fmla="*/ 0 h 6579155"/>
+                <a:gd name="connsiteX0" fmla="*/ 0 w 4615335"/>
+                <a:gd name="connsiteY0" fmla="*/ 0 h 6579155"/>
+                <a:gd name="connsiteX1" fmla="*/ 4615335 w 4615335"/>
+                <a:gd name="connsiteY1" fmla="*/ 0 h 6579155"/>
+                <a:gd name="connsiteX2" fmla="*/ 4605175 w 4615335"/>
+                <a:gd name="connsiteY2" fmla="*/ 6579155 h 6579155"/>
+                <a:gd name="connsiteX3" fmla="*/ 781373 w 4615335"/>
+                <a:gd name="connsiteY3" fmla="*/ 6551289 h 6579155"/>
+                <a:gd name="connsiteX4" fmla="*/ 0 w 4615335"/>
+                <a:gd name="connsiteY4" fmla="*/ 6000035 h 6579155"/>
+                <a:gd name="connsiteX5" fmla="*/ 0 w 4615335"/>
+                <a:gd name="connsiteY5" fmla="*/ 0 h 6579155"/>
+                <a:gd name="connsiteX0" fmla="*/ 0 w 4615335"/>
+                <a:gd name="connsiteY0" fmla="*/ 0 h 6632569"/>
+                <a:gd name="connsiteX1" fmla="*/ 4615335 w 4615335"/>
+                <a:gd name="connsiteY1" fmla="*/ 0 h 6632569"/>
+                <a:gd name="connsiteX2" fmla="*/ 4605175 w 4615335"/>
+                <a:gd name="connsiteY2" fmla="*/ 6579155 h 6632569"/>
+                <a:gd name="connsiteX3" fmla="*/ 1045533 w 4615335"/>
+                <a:gd name="connsiteY3" fmla="*/ 6632569 h 6632569"/>
+                <a:gd name="connsiteX4" fmla="*/ 0 w 4615335"/>
+                <a:gd name="connsiteY4" fmla="*/ 6000035 h 6632569"/>
+                <a:gd name="connsiteX5" fmla="*/ 0 w 4615335"/>
+                <a:gd name="connsiteY5" fmla="*/ 0 h 6632569"/>
+                <a:gd name="connsiteX0" fmla="*/ 0 w 4615335"/>
+                <a:gd name="connsiteY0" fmla="*/ 0 h 6632569"/>
+                <a:gd name="connsiteX1" fmla="*/ 4615335 w 4615335"/>
+                <a:gd name="connsiteY1" fmla="*/ 0 h 6632569"/>
+                <a:gd name="connsiteX2" fmla="*/ 4605175 w 4615335"/>
+                <a:gd name="connsiteY2" fmla="*/ 6579155 h 6632569"/>
+                <a:gd name="connsiteX3" fmla="*/ 1045533 w 4615335"/>
+                <a:gd name="connsiteY3" fmla="*/ 6632569 h 6632569"/>
+                <a:gd name="connsiteX4" fmla="*/ 0 w 4615335"/>
+                <a:gd name="connsiteY4" fmla="*/ 6000035 h 6632569"/>
+                <a:gd name="connsiteX5" fmla="*/ 0 w 4615335"/>
+                <a:gd name="connsiteY5" fmla="*/ 0 h 6632569"/>
+                <a:gd name="connsiteX0" fmla="*/ 0 w 4615335"/>
+                <a:gd name="connsiteY0" fmla="*/ 0 h 6612249"/>
+                <a:gd name="connsiteX1" fmla="*/ 4615335 w 4615335"/>
+                <a:gd name="connsiteY1" fmla="*/ 0 h 6612249"/>
+                <a:gd name="connsiteX2" fmla="*/ 4605175 w 4615335"/>
+                <a:gd name="connsiteY2" fmla="*/ 6579155 h 6612249"/>
+                <a:gd name="connsiteX3" fmla="*/ 791533 w 4615335"/>
+                <a:gd name="connsiteY3" fmla="*/ 6612249 h 6612249"/>
+                <a:gd name="connsiteX4" fmla="*/ 0 w 4615335"/>
+                <a:gd name="connsiteY4" fmla="*/ 6000035 h 6612249"/>
+                <a:gd name="connsiteX5" fmla="*/ 0 w 4615335"/>
+                <a:gd name="connsiteY5" fmla="*/ 0 h 6612249"/>
+                <a:gd name="connsiteX0" fmla="*/ 0 w 4615335"/>
+                <a:gd name="connsiteY0" fmla="*/ 0 h 6612249"/>
+                <a:gd name="connsiteX1" fmla="*/ 4615335 w 4615335"/>
+                <a:gd name="connsiteY1" fmla="*/ 0 h 6612249"/>
+                <a:gd name="connsiteX2" fmla="*/ 4605175 w 4615335"/>
+                <a:gd name="connsiteY2" fmla="*/ 6579155 h 6612249"/>
+                <a:gd name="connsiteX3" fmla="*/ 791533 w 4615335"/>
+                <a:gd name="connsiteY3" fmla="*/ 6612249 h 6612249"/>
+                <a:gd name="connsiteX4" fmla="*/ 0 w 4615335"/>
+                <a:gd name="connsiteY4" fmla="*/ 6000035 h 6612249"/>
+                <a:gd name="connsiteX5" fmla="*/ 0 w 4615335"/>
+                <a:gd name="connsiteY5" fmla="*/ 0 h 6612249"/>
+                <a:gd name="connsiteX0" fmla="*/ 0 w 4615335"/>
+                <a:gd name="connsiteY0" fmla="*/ 0 h 6612249"/>
+                <a:gd name="connsiteX1" fmla="*/ 4615335 w 4615335"/>
+                <a:gd name="connsiteY1" fmla="*/ 0 h 6612249"/>
+                <a:gd name="connsiteX2" fmla="*/ 4605175 w 4615335"/>
+                <a:gd name="connsiteY2" fmla="*/ 6579155 h 6612249"/>
+                <a:gd name="connsiteX3" fmla="*/ 791533 w 4615335"/>
+                <a:gd name="connsiteY3" fmla="*/ 6612249 h 6612249"/>
+                <a:gd name="connsiteX4" fmla="*/ 30480 w 4615335"/>
+                <a:gd name="connsiteY4" fmla="*/ 5908595 h 6612249"/>
+                <a:gd name="connsiteX5" fmla="*/ 0 w 4615335"/>
+                <a:gd name="connsiteY5" fmla="*/ 0 h 6612249"/>
+                <a:gd name="connsiteX0" fmla="*/ 0 w 4615335"/>
+                <a:gd name="connsiteY0" fmla="*/ 0 h 6612249"/>
+                <a:gd name="connsiteX1" fmla="*/ 4615335 w 4615335"/>
+                <a:gd name="connsiteY1" fmla="*/ 0 h 6612249"/>
+                <a:gd name="connsiteX2" fmla="*/ 4605175 w 4615335"/>
+                <a:gd name="connsiteY2" fmla="*/ 6579155 h 6612249"/>
+                <a:gd name="connsiteX3" fmla="*/ 791533 w 4615335"/>
+                <a:gd name="connsiteY3" fmla="*/ 6612249 h 6612249"/>
+                <a:gd name="connsiteX4" fmla="*/ 30480 w 4615335"/>
+                <a:gd name="connsiteY4" fmla="*/ 5908595 h 6612249"/>
+                <a:gd name="connsiteX5" fmla="*/ 0 w 4615335"/>
+                <a:gd name="connsiteY5" fmla="*/ 0 h 6612249"/>
+              </a:gdLst>
+              <a:ahLst/>
+              <a:cxnLst>
+                <a:cxn ang="0">
+                  <a:pos x="connsiteX0" y="connsiteY0"/>
+                </a:cxn>
+                <a:cxn ang="0">
+                  <a:pos x="connsiteX1" y="connsiteY1"/>
+                </a:cxn>
+                <a:cxn ang="0">
+                  <a:pos x="connsiteX2" y="connsiteY2"/>
+                </a:cxn>
+                <a:cxn ang="0">
+                  <a:pos x="connsiteX3" y="connsiteY3"/>
+                </a:cxn>
+                <a:cxn ang="0">
+                  <a:pos x="connsiteX4" y="connsiteY4"/>
+                </a:cxn>
+                <a:cxn ang="0">
+                  <a:pos x="connsiteX5" y="connsiteY5"/>
+                </a:cxn>
+              </a:cxnLst>
+              <a:rect l="l" t="t" r="r" b="b"/>
+              <a:pathLst>
+                <a:path w="4615335" h="6612249">
+                  <a:moveTo>
+                    <a:pt x="0" y="0"/>
+                  </a:moveTo>
+                  <a:lnTo>
+                    <a:pt x="4615335" y="0"/>
+                  </a:lnTo>
+                  <a:cubicBezTo>
+                    <a:pt x="4611948" y="2193052"/>
+                    <a:pt x="4608562" y="4386103"/>
+                    <a:pt x="4605175" y="6579155"/>
+                  </a:cubicBezTo>
+                  <a:lnTo>
+                    <a:pt x="791533" y="6612249"/>
+                  </a:lnTo>
+                  <a:cubicBezTo>
+                    <a:pt x="818942" y="5879858"/>
+                    <a:pt x="907311" y="5909466"/>
+                    <a:pt x="30480" y="5908595"/>
+                  </a:cubicBezTo>
+                  <a:lnTo>
+                    <a:pt x="0" y="0"/>
+                  </a:lnTo>
+                  <a:close/>
+                </a:path>
+              </a:pathLst>
+            </a:custGeom>
+            <a:solidFill>
+              <a:schemeClr val="accent2">
+                <a:alpha val="50000"/>
+              </a:schemeClr>
+            </a:solidFill>
+          </p:spPr>
+          <p:style>
+            <a:lnRef idx="2">
+              <a:schemeClr val="accent1">
+                <a:shade val="15000"/>
+              </a:schemeClr>
+            </a:lnRef>
+            <a:fillRef idx="1">
+              <a:schemeClr val="accent1"/>
+            </a:fillRef>
+            <a:effectRef idx="0">
+              <a:schemeClr val="accent1"/>
+            </a:effectRef>
+            <a:fontRef idx="minor">
+              <a:schemeClr val="lt1"/>
+            </a:fontRef>
+          </p:style>
+          <p:txBody>
+            <a:bodyPr rtlCol="0" anchor="ctr"/>
+            <a:lstStyle/>
+            <a:p>
+              <a:pPr algn="ctr"/>
+              <a:endParaRPr kumimoji="1" lang="ja-JP" altLang="en-US"/>
+            </a:p>
+          </p:txBody>
+        </p:sp>
+      </p:grpSp>
+      <p:grpSp>
+        <p:nvGrpSpPr>
+          <p:cNvPr id="21" name="グループ化 20">
+            <a:extLst>
+              <a:ext uri="{FF2B5EF4-FFF2-40B4-BE49-F238E27FC236}">
+                <a16:creationId xmlns:a16="http://schemas.microsoft.com/office/drawing/2014/main" id="{DE7B90D6-1541-CDEB-ADDF-82EA34BD7BF4}"/>
+              </a:ext>
+            </a:extLst>
+          </p:cNvPr>
+          <p:cNvGrpSpPr/>
+          <p:nvPr/>
+        </p:nvGrpSpPr>
+        <p:grpSpPr>
+          <a:xfrm>
+            <a:off x="6765994" y="1272033"/>
+            <a:ext cx="5093385" cy="4129477"/>
+            <a:chOff x="276561" y="114972"/>
+            <a:chExt cx="11638878" cy="6628056"/>
+          </a:xfrm>
+        </p:grpSpPr>
+        <p:sp>
+          <p:nvSpPr>
+            <p:cNvPr id="22" name="正方形/長方形 21">
+              <a:extLst>
+                <a:ext uri="{FF2B5EF4-FFF2-40B4-BE49-F238E27FC236}">
+                  <a16:creationId xmlns:a16="http://schemas.microsoft.com/office/drawing/2014/main" id="{9C430907-4D45-5A11-2D7C-02F778755B76}"/>
+                </a:ext>
+              </a:extLst>
+            </p:cNvPr>
+            <p:cNvSpPr/>
+            <p:nvPr/>
+          </p:nvSpPr>
+          <p:spPr>
+            <a:xfrm>
+              <a:off x="276561" y="114972"/>
+              <a:ext cx="11638878" cy="6628056"/>
+            </a:xfrm>
+            <a:prstGeom prst="rect">
+              <a:avLst/>
+            </a:prstGeom>
+            <a:solidFill>
+              <a:schemeClr val="bg1"/>
+            </a:solidFill>
+            <a:ln w="57150">
+              <a:solidFill>
+                <a:srgbClr val="207178"/>
+              </a:solidFill>
+            </a:ln>
+          </p:spPr>
+          <p:style>
+            <a:lnRef idx="2">
+              <a:schemeClr val="accent1">
+                <a:shade val="50000"/>
+              </a:schemeClr>
+            </a:lnRef>
+            <a:fillRef idx="1">
+              <a:schemeClr val="accent1"/>
+            </a:fillRef>
+            <a:effectRef idx="0">
+              <a:schemeClr val="accent1"/>
+            </a:effectRef>
+            <a:fontRef idx="minor">
+              <a:schemeClr val="lt1"/>
+            </a:fontRef>
+          </p:style>
+          <p:txBody>
+            <a:bodyPr rtlCol="0" anchor="ctr"/>
+            <a:lstStyle/>
+            <a:p>
+              <a:pPr algn="ctr"/>
+              <a:endParaRPr kumimoji="1" lang="ja-JP" altLang="en-US"/>
+            </a:p>
+          </p:txBody>
+        </p:sp>
+        <p:sp>
+          <p:nvSpPr>
+            <p:cNvPr id="23" name="正方形/長方形 22">
+              <a:extLst>
+                <a:ext uri="{FF2B5EF4-FFF2-40B4-BE49-F238E27FC236}">
+                  <a16:creationId xmlns:a16="http://schemas.microsoft.com/office/drawing/2014/main" id="{C79DF627-4910-EE4B-2434-5C92B65E4F12}"/>
+                </a:ext>
+              </a:extLst>
+            </p:cNvPr>
+            <p:cNvSpPr/>
+            <p:nvPr/>
+          </p:nvSpPr>
+          <p:spPr>
+            <a:xfrm>
+              <a:off x="276561" y="114974"/>
+              <a:ext cx="11638878" cy="627305"/>
+            </a:xfrm>
+            <a:prstGeom prst="rect">
+              <a:avLst/>
+            </a:prstGeom>
+            <a:solidFill>
+              <a:srgbClr val="207178"/>
+            </a:solidFill>
+            <a:ln w="57150">
+              <a:solidFill>
+                <a:srgbClr val="207178"/>
+              </a:solidFill>
+            </a:ln>
+          </p:spPr>
+          <p:style>
+            <a:lnRef idx="2">
+              <a:schemeClr val="accent1">
+                <a:shade val="50000"/>
+              </a:schemeClr>
+            </a:lnRef>
+            <a:fillRef idx="1">
+              <a:schemeClr val="accent1"/>
+            </a:fillRef>
+            <a:effectRef idx="0">
+              <a:schemeClr val="accent1"/>
+            </a:effectRef>
+            <a:fontRef idx="minor">
+              <a:schemeClr val="lt1"/>
+            </a:fontRef>
+          </p:style>
+          <p:txBody>
+            <a:bodyPr rtlCol="0" anchor="ctr"/>
+            <a:lstStyle/>
+            <a:p>
+              <a:pPr algn="ctr"/>
+              <a:r>
+                <a:rPr kumimoji="1" lang="en-US" altLang="ja-JP" dirty="0"/>
+                <a:t>1.1</a:t>
+              </a:r>
+              <a:r>
+                <a:rPr kumimoji="1" lang="ja-JP" altLang="en-US" dirty="0"/>
+                <a:t>　攻略方針</a:t>
+              </a:r>
+            </a:p>
+          </p:txBody>
+        </p:sp>
+      </p:grpSp>
     </p:spTree>
     <p:extLst>
       <p:ext uri="{BB962C8B-B14F-4D97-AF65-F5344CB8AC3E}">

--- a/設計/モデルろぼ魂.exe.pptx
+++ b/設計/モデルろぼ魂.exe.pptx
@@ -5433,6 +5433,626 @@
           <a:chExt cx="0" cy="0"/>
         </a:xfrm>
       </p:grpSpPr>
+      <p:grpSp>
+        <p:nvGrpSpPr>
+          <p:cNvPr id="5" name="グループ化 4"/>
+          <p:cNvGrpSpPr/>
+          <p:nvPr/>
+        </p:nvGrpSpPr>
+        <p:grpSpPr>
+          <a:xfrm>
+            <a:off x="8783811" y="1952609"/>
+            <a:ext cx="4680520" cy="3240360"/>
+            <a:chOff x="276561" y="114972"/>
+            <a:chExt cx="11638878" cy="6628056"/>
+          </a:xfrm>
+        </p:grpSpPr>
+        <p:sp>
+          <p:nvSpPr>
+            <p:cNvPr id="6" name="正方形/長方形 5"/>
+            <p:cNvSpPr/>
+            <p:nvPr/>
+          </p:nvSpPr>
+          <p:spPr>
+            <a:xfrm>
+              <a:off x="276561" y="114972"/>
+              <a:ext cx="11638878" cy="6628056"/>
+            </a:xfrm>
+            <a:prstGeom prst="rect">
+              <a:avLst/>
+            </a:prstGeom>
+            <a:noFill/>
+            <a:ln w="57150">
+              <a:solidFill>
+                <a:srgbClr val="207178"/>
+              </a:solidFill>
+            </a:ln>
+          </p:spPr>
+          <p:style>
+            <a:lnRef idx="2">
+              <a:schemeClr val="accent1">
+                <a:shade val="50000"/>
+              </a:schemeClr>
+            </a:lnRef>
+            <a:fillRef idx="1">
+              <a:schemeClr val="accent1"/>
+            </a:fillRef>
+            <a:effectRef idx="0">
+              <a:schemeClr val="accent1"/>
+            </a:effectRef>
+            <a:fontRef idx="minor">
+              <a:schemeClr val="lt1"/>
+            </a:fontRef>
+          </p:style>
+          <p:txBody>
+            <a:bodyPr rtlCol="0" anchor="ctr"/>
+            <a:lstStyle/>
+            <a:p>
+              <a:pPr algn="ctr"/>
+              <a:endParaRPr kumimoji="1" lang="ja-JP" altLang="en-US"/>
+            </a:p>
+          </p:txBody>
+        </p:sp>
+        <p:sp>
+          <p:nvSpPr>
+            <p:cNvPr id="7" name="正方形/長方形 6"/>
+            <p:cNvSpPr/>
+            <p:nvPr/>
+          </p:nvSpPr>
+          <p:spPr>
+            <a:xfrm>
+              <a:off x="276561" y="114972"/>
+              <a:ext cx="11638878" cy="627304"/>
+            </a:xfrm>
+            <a:prstGeom prst="rect">
+              <a:avLst/>
+            </a:prstGeom>
+            <a:solidFill>
+              <a:srgbClr val="207178"/>
+            </a:solidFill>
+            <a:ln w="57150">
+              <a:solidFill>
+                <a:srgbClr val="207178"/>
+              </a:solidFill>
+            </a:ln>
+          </p:spPr>
+          <p:style>
+            <a:lnRef idx="2">
+              <a:schemeClr val="accent1">
+                <a:shade val="50000"/>
+              </a:schemeClr>
+            </a:lnRef>
+            <a:fillRef idx="1">
+              <a:schemeClr val="accent1"/>
+            </a:fillRef>
+            <a:effectRef idx="0">
+              <a:schemeClr val="accent1"/>
+            </a:effectRef>
+            <a:fontRef idx="minor">
+              <a:schemeClr val="lt1"/>
+            </a:fontRef>
+          </p:style>
+          <p:txBody>
+            <a:bodyPr rtlCol="0" anchor="ctr"/>
+            <a:lstStyle/>
+            <a:p>
+              <a:pPr algn="ctr"/>
+              <a:r>
+                <a:rPr lang="ja-JP" altLang="en-US"/>
+                <a:t>システム範囲定義</a:t>
+              </a:r>
+              <a:endParaRPr kumimoji="1" lang="ja-JP" altLang="en-US"/>
+            </a:p>
+          </p:txBody>
+        </p:sp>
+      </p:grpSp>
+      <p:grpSp>
+        <p:nvGrpSpPr>
+          <p:cNvPr id="11" name="グループ化 10"/>
+          <p:cNvGrpSpPr/>
+          <p:nvPr/>
+        </p:nvGrpSpPr>
+        <p:grpSpPr>
+          <a:xfrm>
+            <a:off x="1438995" y="6065986"/>
+            <a:ext cx="4680520" cy="3240360"/>
+            <a:chOff x="276561" y="114972"/>
+            <a:chExt cx="11638878" cy="6628056"/>
+          </a:xfrm>
+        </p:grpSpPr>
+        <p:sp>
+          <p:nvSpPr>
+            <p:cNvPr id="12" name="正方形/長方形 11"/>
+            <p:cNvSpPr/>
+            <p:nvPr/>
+          </p:nvSpPr>
+          <p:spPr>
+            <a:xfrm>
+              <a:off x="276561" y="114972"/>
+              <a:ext cx="11638878" cy="6628056"/>
+            </a:xfrm>
+            <a:prstGeom prst="rect">
+              <a:avLst/>
+            </a:prstGeom>
+            <a:noFill/>
+            <a:ln w="57150">
+              <a:solidFill>
+                <a:srgbClr val="207178"/>
+              </a:solidFill>
+            </a:ln>
+          </p:spPr>
+          <p:style>
+            <a:lnRef idx="2">
+              <a:schemeClr val="accent1">
+                <a:shade val="50000"/>
+              </a:schemeClr>
+            </a:lnRef>
+            <a:fillRef idx="1">
+              <a:schemeClr val="accent1"/>
+            </a:fillRef>
+            <a:effectRef idx="0">
+              <a:schemeClr val="accent1"/>
+            </a:effectRef>
+            <a:fontRef idx="minor">
+              <a:schemeClr val="lt1"/>
+            </a:fontRef>
+          </p:style>
+          <p:txBody>
+            <a:bodyPr rtlCol="0" anchor="ctr"/>
+            <a:lstStyle/>
+            <a:p>
+              <a:pPr algn="ctr"/>
+              <a:endParaRPr kumimoji="1" lang="ja-JP" altLang="en-US"/>
+            </a:p>
+          </p:txBody>
+        </p:sp>
+        <p:sp>
+          <p:nvSpPr>
+            <p:cNvPr id="13" name="正方形/長方形 12"/>
+            <p:cNvSpPr/>
+            <p:nvPr/>
+          </p:nvSpPr>
+          <p:spPr>
+            <a:xfrm>
+              <a:off x="276561" y="114973"/>
+              <a:ext cx="11638878" cy="627305"/>
+            </a:xfrm>
+            <a:prstGeom prst="rect">
+              <a:avLst/>
+            </a:prstGeom>
+            <a:solidFill>
+              <a:srgbClr val="207178"/>
+            </a:solidFill>
+            <a:ln w="57150">
+              <a:solidFill>
+                <a:srgbClr val="207178"/>
+              </a:solidFill>
+            </a:ln>
+          </p:spPr>
+          <p:style>
+            <a:lnRef idx="2">
+              <a:schemeClr val="accent1">
+                <a:shade val="50000"/>
+              </a:schemeClr>
+            </a:lnRef>
+            <a:fillRef idx="1">
+              <a:schemeClr val="accent1"/>
+            </a:fillRef>
+            <a:effectRef idx="0">
+              <a:schemeClr val="accent1"/>
+            </a:effectRef>
+            <a:fontRef idx="minor">
+              <a:schemeClr val="lt1"/>
+            </a:fontRef>
+          </p:style>
+          <p:txBody>
+            <a:bodyPr rtlCol="0" anchor="ctr"/>
+            <a:lstStyle/>
+            <a:p>
+              <a:pPr algn="ctr"/>
+              <a:r>
+                <a:rPr lang="ja-JP" altLang="en-US"/>
+                <a:t>動的構造モデル</a:t>
+              </a:r>
+              <a:endParaRPr kumimoji="1" lang="ja-JP" altLang="en-US"/>
+            </a:p>
+          </p:txBody>
+        </p:sp>
+      </p:grpSp>
+      <p:grpSp>
+        <p:nvGrpSpPr>
+          <p:cNvPr id="14" name="グループ化 13"/>
+          <p:cNvGrpSpPr/>
+          <p:nvPr/>
+        </p:nvGrpSpPr>
+        <p:grpSpPr>
+          <a:xfrm>
+            <a:off x="8567787" y="6219326"/>
+            <a:ext cx="4680520" cy="3240360"/>
+            <a:chOff x="276561" y="114972"/>
+            <a:chExt cx="11638878" cy="6628056"/>
+          </a:xfrm>
+        </p:grpSpPr>
+        <p:sp>
+          <p:nvSpPr>
+            <p:cNvPr id="15" name="正方形/長方形 14"/>
+            <p:cNvSpPr/>
+            <p:nvPr/>
+          </p:nvSpPr>
+          <p:spPr>
+            <a:xfrm>
+              <a:off x="276561" y="114972"/>
+              <a:ext cx="11638878" cy="6628056"/>
+            </a:xfrm>
+            <a:prstGeom prst="rect">
+              <a:avLst/>
+            </a:prstGeom>
+            <a:noFill/>
+            <a:ln w="57150">
+              <a:solidFill>
+                <a:srgbClr val="207178"/>
+              </a:solidFill>
+            </a:ln>
+          </p:spPr>
+          <p:style>
+            <a:lnRef idx="2">
+              <a:schemeClr val="accent1">
+                <a:shade val="50000"/>
+              </a:schemeClr>
+            </a:lnRef>
+            <a:fillRef idx="1">
+              <a:schemeClr val="accent1"/>
+            </a:fillRef>
+            <a:effectRef idx="0">
+              <a:schemeClr val="accent1"/>
+            </a:effectRef>
+            <a:fontRef idx="minor">
+              <a:schemeClr val="lt1"/>
+            </a:fontRef>
+          </p:style>
+          <p:txBody>
+            <a:bodyPr rtlCol="0" anchor="ctr"/>
+            <a:lstStyle/>
+            <a:p>
+              <a:pPr algn="ctr"/>
+              <a:endParaRPr kumimoji="1" lang="ja-JP" altLang="en-US"/>
+            </a:p>
+          </p:txBody>
+        </p:sp>
+        <p:sp>
+          <p:nvSpPr>
+            <p:cNvPr id="16" name="正方形/長方形 15"/>
+            <p:cNvSpPr/>
+            <p:nvPr/>
+          </p:nvSpPr>
+          <p:spPr>
+            <a:xfrm>
+              <a:off x="276561" y="114973"/>
+              <a:ext cx="11638878" cy="627305"/>
+            </a:xfrm>
+            <a:prstGeom prst="rect">
+              <a:avLst/>
+            </a:prstGeom>
+            <a:solidFill>
+              <a:srgbClr val="207178"/>
+            </a:solidFill>
+            <a:ln w="57150">
+              <a:solidFill>
+                <a:srgbClr val="207178"/>
+              </a:solidFill>
+            </a:ln>
+          </p:spPr>
+          <p:style>
+            <a:lnRef idx="2">
+              <a:schemeClr val="accent1">
+                <a:shade val="50000"/>
+              </a:schemeClr>
+            </a:lnRef>
+            <a:fillRef idx="1">
+              <a:schemeClr val="accent1"/>
+            </a:fillRef>
+            <a:effectRef idx="0">
+              <a:schemeClr val="accent1"/>
+            </a:effectRef>
+            <a:fontRef idx="minor">
+              <a:schemeClr val="lt1"/>
+            </a:fontRef>
+          </p:style>
+          <p:txBody>
+            <a:bodyPr rtlCol="0" anchor="ctr"/>
+            <a:lstStyle/>
+            <a:p>
+              <a:pPr algn="ctr"/>
+              <a:r>
+                <a:rPr kumimoji="1" lang="ja-JP" altLang="en-US" smtClean="0"/>
+                <a:t>静的構造モデル</a:t>
+              </a:r>
+              <a:endParaRPr kumimoji="1" lang="ja-JP" altLang="en-US"/>
+            </a:p>
+          </p:txBody>
+        </p:sp>
+      </p:grpSp>
+      <p:pic>
+        <p:nvPicPr>
+          <p:cNvPr id="18" name="図 17"/>
+          <p:cNvPicPr>
+            <a:picLocks noChangeAspect="1"/>
+          </p:cNvPicPr>
+          <p:nvPr/>
+        </p:nvPicPr>
+        <p:blipFill>
+          <a:blip r:embed="rId2">
+            <a:extLst>
+              <a:ext uri="{28A0092B-C50C-407E-A947-70E740481C1C}">
+                <a14:useLocalDpi xmlns:a14="http://schemas.microsoft.com/office/drawing/2010/main" val="0"/>
+              </a:ext>
+            </a:extLst>
+          </a:blip>
+          <a:stretch>
+            <a:fillRect/>
+          </a:stretch>
+        </p:blipFill>
+        <p:spPr>
+          <a:xfrm>
+            <a:off x="9245344" y="2652938"/>
+            <a:ext cx="3826792" cy="2116752"/>
+          </a:xfrm>
+          <a:prstGeom prst="rect">
+            <a:avLst/>
+          </a:prstGeom>
+        </p:spPr>
+      </p:pic>
+      <p:pic>
+        <p:nvPicPr>
+          <p:cNvPr id="19" name="図 18"/>
+          <p:cNvPicPr>
+            <a:picLocks noChangeAspect="1"/>
+          </p:cNvPicPr>
+          <p:nvPr/>
+        </p:nvPicPr>
+        <p:blipFill>
+          <a:blip r:embed="rId3">
+            <a:extLst>
+              <a:ext uri="{28A0092B-C50C-407E-A947-70E740481C1C}">
+                <a14:useLocalDpi xmlns:a14="http://schemas.microsoft.com/office/drawing/2010/main" val="0"/>
+              </a:ext>
+            </a:extLst>
+          </a:blip>
+          <a:stretch>
+            <a:fillRect/>
+          </a:stretch>
+        </p:blipFill>
+        <p:spPr>
+          <a:xfrm>
+            <a:off x="7919715" y="7308526"/>
+            <a:ext cx="5151487" cy="2629035"/>
+          </a:xfrm>
+          <a:prstGeom prst="rect">
+            <a:avLst/>
+          </a:prstGeom>
+        </p:spPr>
+      </p:pic>
+      <p:pic>
+        <p:nvPicPr>
+          <p:cNvPr id="20" name="図 19"/>
+          <p:cNvPicPr>
+            <a:picLocks noChangeAspect="1"/>
+          </p:cNvPicPr>
+          <p:nvPr/>
+        </p:nvPicPr>
+        <p:blipFill>
+          <a:blip r:embed="rId4">
+            <a:extLst>
+              <a:ext uri="{28A0092B-C50C-407E-A947-70E740481C1C}">
+                <a14:useLocalDpi xmlns:a14="http://schemas.microsoft.com/office/drawing/2010/main" val="0"/>
+              </a:ext>
+            </a:extLst>
+          </a:blip>
+          <a:stretch>
+            <a:fillRect/>
+          </a:stretch>
+        </p:blipFill>
+        <p:spPr>
+          <a:xfrm>
+            <a:off x="1327188" y="6858074"/>
+            <a:ext cx="3661965" cy="3529940"/>
+          </a:xfrm>
+          <a:prstGeom prst="rect">
+            <a:avLst/>
+          </a:prstGeom>
+        </p:spPr>
+      </p:pic>
+      <p:grpSp>
+        <p:nvGrpSpPr>
+          <p:cNvPr id="22" name="グループ化 21"/>
+          <p:cNvGrpSpPr/>
+          <p:nvPr/>
+        </p:nvGrpSpPr>
+        <p:grpSpPr>
+          <a:xfrm>
+            <a:off x="204433" y="1330188"/>
+            <a:ext cx="5122994" cy="3654129"/>
+            <a:chOff x="204433" y="1330188"/>
+            <a:chExt cx="5122994" cy="3654129"/>
+          </a:xfrm>
+        </p:grpSpPr>
+        <p:grpSp>
+          <p:nvGrpSpPr>
+            <p:cNvPr id="2" name="グループ化 1"/>
+            <p:cNvGrpSpPr/>
+            <p:nvPr/>
+          </p:nvGrpSpPr>
+          <p:grpSpPr>
+            <a:xfrm>
+              <a:off x="214859" y="1330188"/>
+              <a:ext cx="5112568" cy="3654129"/>
+              <a:chOff x="276561" y="114972"/>
+              <a:chExt cx="11638878" cy="6628056"/>
+            </a:xfrm>
+          </p:grpSpPr>
+          <p:sp>
+            <p:nvSpPr>
+              <p:cNvPr id="3" name="正方形/長方形 2"/>
+              <p:cNvSpPr/>
+              <p:nvPr/>
+            </p:nvSpPr>
+            <p:spPr>
+              <a:xfrm>
+                <a:off x="276561" y="114972"/>
+                <a:ext cx="11638878" cy="6628056"/>
+              </a:xfrm>
+              <a:prstGeom prst="rect">
+                <a:avLst/>
+              </a:prstGeom>
+              <a:noFill/>
+              <a:ln w="57150">
+                <a:solidFill>
+                  <a:srgbClr val="207178"/>
+                </a:solidFill>
+              </a:ln>
+            </p:spPr>
+            <p:style>
+              <a:lnRef idx="2">
+                <a:schemeClr val="accent1">
+                  <a:shade val="50000"/>
+                </a:schemeClr>
+              </a:lnRef>
+              <a:fillRef idx="1">
+                <a:schemeClr val="accent1"/>
+              </a:fillRef>
+              <a:effectRef idx="0">
+                <a:schemeClr val="accent1"/>
+              </a:effectRef>
+              <a:fontRef idx="minor">
+                <a:schemeClr val="lt1"/>
+              </a:fontRef>
+            </p:style>
+            <p:txBody>
+              <a:bodyPr rtlCol="0" anchor="ctr"/>
+              <a:lstStyle/>
+              <a:p>
+                <a:pPr algn="ctr"/>
+                <a:endParaRPr kumimoji="1" lang="ja-JP" altLang="en-US"/>
+              </a:p>
+            </p:txBody>
+          </p:sp>
+          <p:sp>
+            <p:nvSpPr>
+              <p:cNvPr id="4" name="正方形/長方形 3"/>
+              <p:cNvSpPr/>
+              <p:nvPr/>
+            </p:nvSpPr>
+            <p:spPr>
+              <a:xfrm>
+                <a:off x="276561" y="114973"/>
+                <a:ext cx="11638878" cy="627305"/>
+              </a:xfrm>
+              <a:prstGeom prst="rect">
+                <a:avLst/>
+              </a:prstGeom>
+              <a:solidFill>
+                <a:srgbClr val="207178"/>
+              </a:solidFill>
+              <a:ln w="57150">
+                <a:solidFill>
+                  <a:srgbClr val="207178"/>
+                </a:solidFill>
+              </a:ln>
+            </p:spPr>
+            <p:style>
+              <a:lnRef idx="2">
+                <a:schemeClr val="accent1">
+                  <a:shade val="50000"/>
+                </a:schemeClr>
+              </a:lnRef>
+              <a:fillRef idx="1">
+                <a:schemeClr val="accent1"/>
+              </a:fillRef>
+              <a:effectRef idx="0">
+                <a:schemeClr val="accent1"/>
+              </a:effectRef>
+              <a:fontRef idx="minor">
+                <a:schemeClr val="lt1"/>
+              </a:fontRef>
+            </p:style>
+            <p:txBody>
+              <a:bodyPr rtlCol="0" anchor="ctr"/>
+              <a:lstStyle/>
+              <a:p>
+                <a:r>
+                  <a:rPr kumimoji="1" lang="en-US" altLang="ja-JP" sz="1800" smtClean="0"/>
+                  <a:t>2.1 </a:t>
+                </a:r>
+                <a:r>
+                  <a:rPr kumimoji="1" lang="ja-JP" altLang="en-US" sz="1800" smtClean="0"/>
+                  <a:t>コンテキスト分析</a:t>
+                </a:r>
+                <a:endParaRPr kumimoji="1" lang="ja-JP" altLang="en-US" sz="1800"/>
+              </a:p>
+            </p:txBody>
+          </p:sp>
+        </p:grpSp>
+        <p:pic>
+          <p:nvPicPr>
+            <p:cNvPr id="17" name="図 16"/>
+            <p:cNvPicPr>
+              <a:picLocks noChangeAspect="1"/>
+            </p:cNvPicPr>
+            <p:nvPr/>
+          </p:nvPicPr>
+          <p:blipFill>
+            <a:blip r:embed="rId5">
+              <a:extLst>
+                <a:ext uri="{28A0092B-C50C-407E-A947-70E740481C1C}">
+                  <a14:useLocalDpi xmlns:a14="http://schemas.microsoft.com/office/drawing/2010/main" val="0"/>
+                </a:ext>
+              </a:extLst>
+            </a:blip>
+            <a:stretch>
+              <a:fillRect/>
+            </a:stretch>
+          </p:blipFill>
+          <p:spPr>
+            <a:xfrm>
+              <a:off x="204433" y="2095454"/>
+              <a:ext cx="5122994" cy="2888863"/>
+            </a:xfrm>
+            <a:prstGeom prst="rect">
+              <a:avLst/>
+            </a:prstGeom>
+          </p:spPr>
+        </p:pic>
+        <p:sp>
+          <p:nvSpPr>
+            <p:cNvPr id="21" name="テキスト ボックス 20"/>
+            <p:cNvSpPr txBox="1"/>
+            <p:nvPr/>
+          </p:nvSpPr>
+          <p:spPr>
+            <a:xfrm>
+              <a:off x="247803" y="1751355"/>
+              <a:ext cx="1794081" cy="307777"/>
+            </a:xfrm>
+            <a:prstGeom prst="rect">
+              <a:avLst/>
+            </a:prstGeom>
+            <a:noFill/>
+          </p:spPr>
+          <p:txBody>
+            <a:bodyPr wrap="none" rtlCol="0">
+              <a:spAutoFit/>
+            </a:bodyPr>
+            <a:lstStyle/>
+            <a:p>
+              <a:r>
+                <a:rPr kumimoji="1" lang="ja-JP" altLang="en-US" sz="1400" smtClean="0"/>
+                <a:t>全体の構造及び動作</a:t>
+              </a:r>
+              <a:endParaRPr kumimoji="1" lang="ja-JP" altLang="en-US" sz="1400"/>
+            </a:p>
+          </p:txBody>
+        </p:sp>
+      </p:grpSp>
     </p:spTree>
     <p:extLst>
       <p:ext uri="{BB962C8B-B14F-4D97-AF65-F5344CB8AC3E}">

--- a/設計/モデルろぼ魂.exe.pptx
+++ b/設計/モデルろぼ魂.exe.pptx
@@ -1134,7 +1134,7 @@
           <a:p>
             <a:fld id="{C764DE79-268F-4C1A-8933-263129D2AF90}" type="datetimeFigureOut">
               <a:rPr lang="en-US" dirty="0"/>
-              <a:t>8/19/2023</a:t>
+              <a:t>8/20/2023</a:t>
             </a:fld>
             <a:endParaRPr lang="en-US" dirty="0"/>
           </a:p>
@@ -5980,14 +5980,14 @@
               <a:lstStyle/>
               <a:p>
                 <a:r>
-                  <a:rPr kumimoji="1" lang="en-US" altLang="ja-JP" sz="1800" smtClean="0"/>
+                  <a:rPr kumimoji="1" lang="en-US" altLang="ja-JP" sz="1800" dirty="0" smtClean="0"/>
                   <a:t>2.1 </a:t>
                 </a:r>
                 <a:r>
-                  <a:rPr kumimoji="1" lang="ja-JP" altLang="en-US" sz="1800" smtClean="0"/>
+                  <a:rPr kumimoji="1" lang="ja-JP" altLang="en-US" sz="1800" dirty="0" smtClean="0"/>
                   <a:t>コンテキスト分析</a:t>
                 </a:r>
-                <a:endParaRPr kumimoji="1" lang="ja-JP" altLang="en-US" sz="1800"/>
+                <a:endParaRPr kumimoji="1" lang="ja-JP" altLang="en-US" sz="1800" dirty="0"/>
               </a:p>
             </p:txBody>
           </p:sp>
@@ -6143,6 +6143,1605 @@
           <a:chExt cx="0" cy="0"/>
         </a:xfrm>
       </p:grpSpPr>
+      <p:grpSp>
+        <p:nvGrpSpPr>
+          <p:cNvPr id="2" name="グループ化 1"/>
+          <p:cNvGrpSpPr/>
+          <p:nvPr/>
+        </p:nvGrpSpPr>
+        <p:grpSpPr>
+          <a:xfrm>
+            <a:off x="65269" y="1169442"/>
+            <a:ext cx="8502518" cy="5256584"/>
+            <a:chOff x="276561" y="114972"/>
+            <a:chExt cx="11638878" cy="6628056"/>
+          </a:xfrm>
+        </p:grpSpPr>
+        <p:sp>
+          <p:nvSpPr>
+            <p:cNvPr id="3" name="正方形/長方形 2"/>
+            <p:cNvSpPr/>
+            <p:nvPr/>
+          </p:nvSpPr>
+          <p:spPr>
+            <a:xfrm>
+              <a:off x="276561" y="114972"/>
+              <a:ext cx="11638878" cy="6628056"/>
+            </a:xfrm>
+            <a:prstGeom prst="rect">
+              <a:avLst/>
+            </a:prstGeom>
+            <a:noFill/>
+            <a:ln w="57150">
+              <a:solidFill>
+                <a:srgbClr val="207178"/>
+              </a:solidFill>
+            </a:ln>
+          </p:spPr>
+          <p:style>
+            <a:lnRef idx="2">
+              <a:schemeClr val="accent1">
+                <a:shade val="50000"/>
+              </a:schemeClr>
+            </a:lnRef>
+            <a:fillRef idx="1">
+              <a:schemeClr val="accent1"/>
+            </a:fillRef>
+            <a:effectRef idx="0">
+              <a:schemeClr val="accent1"/>
+            </a:effectRef>
+            <a:fontRef idx="minor">
+              <a:schemeClr val="lt1"/>
+            </a:fontRef>
+          </p:style>
+          <p:txBody>
+            <a:bodyPr rtlCol="0" anchor="ctr"/>
+            <a:lstStyle/>
+            <a:p>
+              <a:pPr algn="ctr"/>
+              <a:endParaRPr kumimoji="1" lang="ja-JP" altLang="en-US"/>
+            </a:p>
+          </p:txBody>
+        </p:sp>
+        <p:sp>
+          <p:nvSpPr>
+            <p:cNvPr id="4" name="正方形/長方形 3"/>
+            <p:cNvSpPr/>
+            <p:nvPr/>
+          </p:nvSpPr>
+          <p:spPr>
+            <a:xfrm>
+              <a:off x="276561" y="114974"/>
+              <a:ext cx="11638878" cy="627305"/>
+            </a:xfrm>
+            <a:prstGeom prst="rect">
+              <a:avLst/>
+            </a:prstGeom>
+            <a:solidFill>
+              <a:srgbClr val="207178"/>
+            </a:solidFill>
+            <a:ln w="57150">
+              <a:solidFill>
+                <a:srgbClr val="207178"/>
+              </a:solidFill>
+            </a:ln>
+          </p:spPr>
+          <p:style>
+            <a:lnRef idx="2">
+              <a:schemeClr val="accent1">
+                <a:shade val="50000"/>
+              </a:schemeClr>
+            </a:lnRef>
+            <a:fillRef idx="1">
+              <a:schemeClr val="accent1"/>
+            </a:fillRef>
+            <a:effectRef idx="0">
+              <a:schemeClr val="accent1"/>
+            </a:effectRef>
+            <a:fontRef idx="minor">
+              <a:schemeClr val="lt1"/>
+            </a:fontRef>
+          </p:style>
+          <p:txBody>
+            <a:bodyPr rtlCol="0" anchor="ctr"/>
+            <a:lstStyle/>
+            <a:p>
+              <a:r>
+                <a:rPr kumimoji="1" lang="en-US" altLang="ja-JP" dirty="0" smtClean="0"/>
+                <a:t>4-1. </a:t>
+              </a:r>
+              <a:r>
+                <a:rPr kumimoji="1" lang="ja-JP" altLang="en-US" dirty="0" smtClean="0"/>
+                <a:t>走行体制御の精度向上</a:t>
+              </a:r>
+              <a:endParaRPr kumimoji="1" lang="ja-JP" altLang="en-US" dirty="0"/>
+            </a:p>
+          </p:txBody>
+        </p:sp>
+      </p:grpSp>
+      <p:grpSp>
+        <p:nvGrpSpPr>
+          <p:cNvPr id="6" name="グループ化 5"/>
+          <p:cNvGrpSpPr/>
+          <p:nvPr/>
+        </p:nvGrpSpPr>
+        <p:grpSpPr>
+          <a:xfrm>
+            <a:off x="65269" y="6496288"/>
+            <a:ext cx="7062358" cy="4106201"/>
+            <a:chOff x="276561" y="114972"/>
+            <a:chExt cx="11638878" cy="6628056"/>
+          </a:xfrm>
+        </p:grpSpPr>
+        <p:sp>
+          <p:nvSpPr>
+            <p:cNvPr id="7" name="正方形/長方形 6"/>
+            <p:cNvSpPr/>
+            <p:nvPr/>
+          </p:nvSpPr>
+          <p:spPr>
+            <a:xfrm>
+              <a:off x="276561" y="114972"/>
+              <a:ext cx="11638878" cy="6628056"/>
+            </a:xfrm>
+            <a:prstGeom prst="rect">
+              <a:avLst/>
+            </a:prstGeom>
+            <a:noFill/>
+            <a:ln w="57150">
+              <a:solidFill>
+                <a:srgbClr val="207178"/>
+              </a:solidFill>
+            </a:ln>
+          </p:spPr>
+          <p:style>
+            <a:lnRef idx="2">
+              <a:schemeClr val="accent1">
+                <a:shade val="50000"/>
+              </a:schemeClr>
+            </a:lnRef>
+            <a:fillRef idx="1">
+              <a:schemeClr val="accent1"/>
+            </a:fillRef>
+            <a:effectRef idx="0">
+              <a:schemeClr val="accent1"/>
+            </a:effectRef>
+            <a:fontRef idx="minor">
+              <a:schemeClr val="lt1"/>
+            </a:fontRef>
+          </p:style>
+          <p:txBody>
+            <a:bodyPr rtlCol="0" anchor="ctr"/>
+            <a:lstStyle/>
+            <a:p>
+              <a:pPr algn="ctr"/>
+              <a:endParaRPr kumimoji="1" lang="ja-JP" altLang="en-US"/>
+            </a:p>
+          </p:txBody>
+        </p:sp>
+        <p:sp>
+          <p:nvSpPr>
+            <p:cNvPr id="8" name="正方形/長方形 7"/>
+            <p:cNvSpPr/>
+            <p:nvPr/>
+          </p:nvSpPr>
+          <p:spPr>
+            <a:xfrm>
+              <a:off x="276561" y="114974"/>
+              <a:ext cx="11638878" cy="627305"/>
+            </a:xfrm>
+            <a:prstGeom prst="rect">
+              <a:avLst/>
+            </a:prstGeom>
+            <a:solidFill>
+              <a:srgbClr val="207178"/>
+            </a:solidFill>
+            <a:ln w="57150">
+              <a:solidFill>
+                <a:srgbClr val="207178"/>
+              </a:solidFill>
+            </a:ln>
+          </p:spPr>
+          <p:style>
+            <a:lnRef idx="2">
+              <a:schemeClr val="accent1">
+                <a:shade val="50000"/>
+              </a:schemeClr>
+            </a:lnRef>
+            <a:fillRef idx="1">
+              <a:schemeClr val="accent1"/>
+            </a:fillRef>
+            <a:effectRef idx="0">
+              <a:schemeClr val="accent1"/>
+            </a:effectRef>
+            <a:fontRef idx="minor">
+              <a:schemeClr val="lt1"/>
+            </a:fontRef>
+          </p:style>
+          <p:txBody>
+            <a:bodyPr rtlCol="0" anchor="ctr"/>
+            <a:lstStyle/>
+            <a:p>
+              <a:r>
+                <a:rPr kumimoji="1" lang="en-US" altLang="ja-JP" dirty="0" smtClean="0"/>
+                <a:t>4-2. </a:t>
+              </a:r>
+              <a:r>
+                <a:rPr lang="ja-JP" altLang="en-US" dirty="0" smtClean="0"/>
+                <a:t>ミニフィグの認識精度の向上</a:t>
+              </a:r>
+              <a:endParaRPr kumimoji="1" lang="ja-JP" altLang="en-US" dirty="0"/>
+            </a:p>
+          </p:txBody>
+        </p:sp>
+      </p:grpSp>
+      <p:sp>
+        <p:nvSpPr>
+          <p:cNvPr id="9" name="テキスト ボックス 8"/>
+          <p:cNvSpPr txBox="1"/>
+          <p:nvPr/>
+        </p:nvSpPr>
+        <p:spPr>
+          <a:xfrm>
+            <a:off x="142851" y="1673498"/>
+            <a:ext cx="7199407" cy="461665"/>
+          </a:xfrm>
+          <a:prstGeom prst="rect">
+            <a:avLst/>
+          </a:prstGeom>
+          <a:noFill/>
+        </p:spPr>
+        <p:txBody>
+          <a:bodyPr wrap="none" rtlCol="0">
+            <a:spAutoFit/>
+          </a:bodyPr>
+          <a:lstStyle/>
+          <a:p>
+            <a:r>
+              <a:rPr kumimoji="1" lang="en-US" altLang="ja-JP" sz="1200" b="1" dirty="0" smtClean="0">
+                <a:solidFill>
+                  <a:srgbClr val="FF0000"/>
+                </a:solidFill>
+              </a:rPr>
+              <a:t>[</a:t>
+            </a:r>
+            <a:r>
+              <a:rPr kumimoji="1" lang="ja-JP" altLang="en-US" sz="1200" b="1" dirty="0" smtClean="0">
+                <a:solidFill>
+                  <a:srgbClr val="FF0000"/>
+                </a:solidFill>
+              </a:rPr>
+              <a:t>課題</a:t>
+            </a:r>
+            <a:r>
+              <a:rPr lang="en-US" altLang="ja-JP" sz="1200" b="1" dirty="0" smtClean="0">
+                <a:solidFill>
+                  <a:srgbClr val="FF0000"/>
+                </a:solidFill>
+              </a:rPr>
+              <a:t>] </a:t>
+            </a:r>
+            <a:r>
+              <a:rPr lang="ja-JP" altLang="en-US" sz="1200" dirty="0" smtClean="0"/>
+              <a:t>ミニフィグ撮影や一部の走行の動作の過程において目印がない状況で直進で走行する必要があるが、</a:t>
+            </a:r>
+            <a:endParaRPr lang="en-US" altLang="ja-JP" sz="1200" dirty="0"/>
+          </a:p>
+          <a:p>
+            <a:r>
+              <a:rPr lang="ja-JP" altLang="en-US" sz="1200" dirty="0" smtClean="0"/>
+              <a:t>各モータの個体差や電圧など様々な要因で曲がって走行してしまう。</a:t>
+            </a:r>
+            <a:endParaRPr lang="en-US" altLang="ja-JP" sz="1200" dirty="0"/>
+          </a:p>
+        </p:txBody>
+      </p:sp>
+      <p:sp>
+        <p:nvSpPr>
+          <p:cNvPr id="11" name="テキスト ボックス 10"/>
+          <p:cNvSpPr txBox="1"/>
+          <p:nvPr/>
+        </p:nvSpPr>
+        <p:spPr>
+          <a:xfrm>
+            <a:off x="142850" y="2105546"/>
+            <a:ext cx="4320481" cy="2092881"/>
+          </a:xfrm>
+          <a:prstGeom prst="rect">
+            <a:avLst/>
+          </a:prstGeom>
+          <a:noFill/>
+        </p:spPr>
+        <p:txBody>
+          <a:bodyPr wrap="square" rtlCol="0">
+            <a:spAutoFit/>
+          </a:bodyPr>
+          <a:lstStyle/>
+          <a:p>
+            <a:r>
+              <a:rPr lang="en-US" altLang="ja-JP" sz="1200" b="1" dirty="0" smtClean="0">
+                <a:solidFill>
+                  <a:schemeClr val="accent6"/>
+                </a:solidFill>
+              </a:rPr>
+              <a:t>[</a:t>
+            </a:r>
+            <a:r>
+              <a:rPr kumimoji="1" lang="ja-JP" altLang="en-US" sz="1200" b="1" dirty="0" smtClean="0">
+                <a:solidFill>
+                  <a:schemeClr val="accent6"/>
+                </a:solidFill>
+              </a:rPr>
+              <a:t>対策</a:t>
+            </a:r>
+            <a:r>
+              <a:rPr lang="ja-JP" altLang="en-US" sz="1200" b="1" dirty="0">
+                <a:solidFill>
+                  <a:schemeClr val="accent6"/>
+                </a:solidFill>
+              </a:rPr>
+              <a:t>１</a:t>
+            </a:r>
+            <a:r>
+              <a:rPr lang="ja-JP" altLang="en-US" sz="1200" b="1" dirty="0" smtClean="0">
+                <a:solidFill>
+                  <a:schemeClr val="accent6"/>
+                </a:solidFill>
+              </a:rPr>
+              <a:t> </a:t>
+            </a:r>
+            <a:r>
+              <a:rPr lang="en-US" altLang="ja-JP" sz="1200" b="1" dirty="0" smtClean="0">
+                <a:solidFill>
+                  <a:schemeClr val="accent6"/>
+                </a:solidFill>
+              </a:rPr>
+              <a:t>– </a:t>
+            </a:r>
+            <a:r>
+              <a:rPr lang="ja-JP" altLang="en-US" sz="1200" b="1" dirty="0" smtClean="0">
+                <a:solidFill>
+                  <a:schemeClr val="accent6"/>
+                </a:solidFill>
+              </a:rPr>
+              <a:t>角度計測方法の変更</a:t>
+            </a:r>
+            <a:r>
+              <a:rPr lang="en-US" altLang="ja-JP" sz="1200" b="1" dirty="0" smtClean="0">
+                <a:solidFill>
+                  <a:schemeClr val="accent6"/>
+                </a:solidFill>
+              </a:rPr>
+              <a:t>] </a:t>
+            </a:r>
+          </a:p>
+          <a:p>
+            <a:r>
+              <a:rPr lang="ja-JP" altLang="en-US" sz="1200" dirty="0" smtClean="0"/>
+              <a:t>ジャイロセンサーを基準として</a:t>
+            </a:r>
+            <a:r>
+              <a:rPr lang="en-US" altLang="ja-JP" sz="1200" dirty="0" smtClean="0"/>
+              <a:t>PID</a:t>
+            </a:r>
+            <a:r>
+              <a:rPr lang="ja-JP" altLang="en-US" sz="1200" dirty="0" smtClean="0"/>
+              <a:t>制御を行</a:t>
+            </a:r>
+            <a:r>
+              <a:rPr lang="ja-JP" altLang="en-US" sz="1200" dirty="0"/>
+              <a:t>い</a:t>
+            </a:r>
+            <a:endParaRPr lang="en-US" altLang="ja-JP" sz="1200" dirty="0" smtClean="0"/>
+          </a:p>
+          <a:p>
+            <a:r>
+              <a:rPr lang="ja-JP" altLang="en-US" sz="1200" dirty="0" smtClean="0"/>
+              <a:t>ジャイロセンサー、車輪回転数からの角度計算から</a:t>
+            </a:r>
+            <a:endParaRPr lang="en-US" altLang="ja-JP" sz="1200" dirty="0" smtClean="0"/>
+          </a:p>
+          <a:p>
+            <a:r>
+              <a:rPr lang="ja-JP" altLang="en-US" sz="1200" dirty="0" smtClean="0"/>
+              <a:t>それぞれデータを取得した結果が図</a:t>
+            </a:r>
+            <a:r>
+              <a:rPr lang="en-US" altLang="ja-JP" sz="1200" dirty="0" smtClean="0"/>
+              <a:t>4-1-1</a:t>
+            </a:r>
+            <a:r>
+              <a:rPr lang="ja-JP" altLang="en-US" sz="1200" dirty="0" err="1" smtClean="0"/>
+              <a:t>のように</a:t>
+            </a:r>
+            <a:r>
+              <a:rPr lang="ja-JP" altLang="en-US" sz="1200" dirty="0" smtClean="0"/>
+              <a:t>なった。</a:t>
+            </a:r>
+            <a:endParaRPr lang="en-US" altLang="ja-JP" sz="1200" dirty="0"/>
+          </a:p>
+          <a:p>
+            <a:endParaRPr lang="en-US" altLang="ja-JP" sz="800" dirty="0" smtClean="0"/>
+          </a:p>
+          <a:p>
+            <a:r>
+              <a:rPr lang="ja-JP" altLang="en-US" sz="1200" dirty="0" smtClean="0"/>
+              <a:t>車輪回転数から角度を推定する計算は下記に示す。</a:t>
+            </a:r>
+            <a:endParaRPr lang="en-US" altLang="ja-JP" sz="1200" dirty="0" smtClean="0"/>
+          </a:p>
+          <a:p>
+            <a:r>
+              <a:rPr lang="en-US" altLang="ja-JP" sz="900" dirty="0" smtClean="0"/>
+              <a:t>Δ</a:t>
+            </a:r>
+            <a:r>
+              <a:rPr lang="ja-JP" altLang="en-US" sz="900" dirty="0" smtClean="0"/>
+              <a:t>車輪走行距離 </a:t>
+            </a:r>
+            <a:r>
+              <a:rPr lang="en-US" altLang="ja-JP" sz="900" dirty="0" smtClean="0"/>
+              <a:t>= (π × </a:t>
+            </a:r>
+            <a:r>
+              <a:rPr lang="ja-JP" altLang="en-US" sz="900" dirty="0" smtClean="0"/>
+              <a:t>タイヤの直径 </a:t>
+            </a:r>
+            <a:r>
+              <a:rPr lang="en-US" altLang="ja-JP" sz="900" dirty="0"/>
+              <a:t>÷</a:t>
+            </a:r>
+            <a:r>
+              <a:rPr lang="en-US" altLang="ja-JP" sz="900" dirty="0" smtClean="0"/>
+              <a:t> 360)</a:t>
+            </a:r>
+            <a:r>
+              <a:rPr lang="ja-JP" altLang="en-US" sz="900" dirty="0"/>
+              <a:t> </a:t>
+            </a:r>
+            <a:r>
+              <a:rPr lang="en-US" altLang="ja-JP" sz="900" dirty="0" smtClean="0"/>
+              <a:t>× (</a:t>
+            </a:r>
+            <a:r>
+              <a:rPr lang="ja-JP" altLang="en-US" sz="900" dirty="0" smtClean="0"/>
+              <a:t>前</a:t>
+            </a:r>
+            <a:r>
+              <a:rPr lang="ja-JP" altLang="en-US" sz="900" dirty="0"/>
+              <a:t>車輪</a:t>
+            </a:r>
+            <a:r>
+              <a:rPr lang="ja-JP" altLang="en-US" sz="900" dirty="0" smtClean="0"/>
+              <a:t>回転数 </a:t>
+            </a:r>
+            <a:r>
+              <a:rPr lang="en-US" altLang="ja-JP" sz="900" dirty="0" smtClean="0"/>
+              <a:t>– </a:t>
+            </a:r>
+            <a:r>
+              <a:rPr lang="ja-JP" altLang="en-US" sz="900" dirty="0" smtClean="0"/>
+              <a:t>現</a:t>
+            </a:r>
+            <a:r>
+              <a:rPr lang="ja-JP" altLang="en-US" sz="900" dirty="0"/>
+              <a:t>車輪</a:t>
+            </a:r>
+            <a:r>
+              <a:rPr lang="ja-JP" altLang="en-US" sz="900" dirty="0" smtClean="0"/>
+              <a:t>回転数</a:t>
+            </a:r>
+            <a:r>
+              <a:rPr lang="en-US" altLang="ja-JP" sz="900" dirty="0" smtClean="0"/>
+              <a:t>)</a:t>
+            </a:r>
+          </a:p>
+          <a:p>
+            <a:r>
+              <a:rPr lang="en-US" altLang="ja-JP" sz="900" dirty="0" smtClean="0"/>
+              <a:t>Δ</a:t>
+            </a:r>
+            <a:r>
+              <a:rPr lang="ja-JP" altLang="en-US" sz="900" dirty="0" smtClean="0"/>
+              <a:t>車体角度 </a:t>
+            </a:r>
+            <a:r>
+              <a:rPr lang="en-US" altLang="ja-JP" sz="900" dirty="0" smtClean="0"/>
+              <a:t>= (360 ÷ (2π × </a:t>
+            </a:r>
+            <a:r>
+              <a:rPr lang="ja-JP" altLang="en-US" sz="900" dirty="0" smtClean="0"/>
+              <a:t>車体トレッド幅</a:t>
+            </a:r>
+            <a:r>
+              <a:rPr lang="en-US" altLang="ja-JP" sz="900" dirty="0" smtClean="0"/>
+              <a:t>))</a:t>
+            </a:r>
+            <a:r>
+              <a:rPr lang="ja-JP" altLang="en-US" sz="900" dirty="0"/>
+              <a:t> </a:t>
+            </a:r>
+            <a:r>
+              <a:rPr lang="en-US" altLang="ja-JP" sz="900" dirty="0" smtClean="0"/>
+              <a:t>× Δ</a:t>
+            </a:r>
+            <a:r>
+              <a:rPr lang="ja-JP" altLang="en-US" sz="900" dirty="0" smtClean="0"/>
+              <a:t>右車輪</a:t>
+            </a:r>
+            <a:r>
+              <a:rPr lang="ja-JP" altLang="en-US" sz="900" dirty="0"/>
+              <a:t>走行距離 </a:t>
+            </a:r>
+            <a:r>
+              <a:rPr lang="en-US" altLang="ja-JP" sz="900" dirty="0" smtClean="0"/>
+              <a:t>- </a:t>
+            </a:r>
+            <a:r>
+              <a:rPr lang="en-US" altLang="ja-JP" sz="900" dirty="0"/>
+              <a:t>Δ</a:t>
+            </a:r>
+            <a:r>
+              <a:rPr lang="ja-JP" altLang="en-US" sz="900" dirty="0"/>
+              <a:t>左車輪走行</a:t>
+            </a:r>
+            <a:r>
+              <a:rPr lang="ja-JP" altLang="en-US" sz="900" dirty="0" smtClean="0"/>
+              <a:t>距離</a:t>
+            </a:r>
+            <a:endParaRPr lang="en-US" altLang="ja-JP" sz="900" dirty="0" smtClean="0"/>
+          </a:p>
+          <a:p>
+            <a:endParaRPr lang="en-US" altLang="ja-JP" sz="800" dirty="0" smtClean="0"/>
+          </a:p>
+          <a:p>
+            <a:r>
+              <a:rPr lang="en-US" altLang="ja-JP" sz="1200" dirty="0" smtClean="0">
+                <a:solidFill>
+                  <a:schemeClr val="accent1"/>
+                </a:solidFill>
+              </a:rPr>
+              <a:t>[</a:t>
+            </a:r>
+            <a:r>
+              <a:rPr lang="ja-JP" altLang="en-US" sz="1200" dirty="0" smtClean="0">
+                <a:solidFill>
+                  <a:schemeClr val="accent1"/>
+                </a:solidFill>
+              </a:rPr>
+              <a:t>効果</a:t>
+            </a:r>
+            <a:r>
+              <a:rPr lang="en-US" altLang="ja-JP" sz="1200" dirty="0" smtClean="0">
+                <a:solidFill>
+                  <a:schemeClr val="accent1"/>
+                </a:solidFill>
+              </a:rPr>
+              <a:t>]</a:t>
+            </a:r>
+            <a:r>
+              <a:rPr lang="ja-JP" altLang="en-US" sz="1200" dirty="0">
+                <a:solidFill>
+                  <a:schemeClr val="accent1"/>
+                </a:solidFill>
+              </a:rPr>
+              <a:t> </a:t>
+            </a:r>
+            <a:r>
+              <a:rPr lang="ja-JP" altLang="en-US" sz="1200" dirty="0" smtClean="0"/>
+              <a:t>ジャイロセンサー</a:t>
+            </a:r>
+            <a:r>
+              <a:rPr lang="ja-JP" altLang="en-US" sz="1200" dirty="0"/>
+              <a:t>では誤差が大きく</a:t>
+            </a:r>
+            <a:r>
+              <a:rPr lang="ja-JP" altLang="en-US" sz="1200" dirty="0" smtClean="0"/>
+              <a:t>、</a:t>
+            </a:r>
+            <a:endParaRPr lang="en-US" altLang="ja-JP" sz="1200" dirty="0" smtClean="0"/>
+          </a:p>
+          <a:p>
+            <a:r>
+              <a:rPr lang="ja-JP" altLang="en-US" sz="1200" dirty="0" smtClean="0"/>
+              <a:t>曲がって</a:t>
+            </a:r>
+            <a:r>
+              <a:rPr lang="ja-JP" altLang="en-US" sz="1200" dirty="0"/>
+              <a:t>走行すること</a:t>
+            </a:r>
+            <a:r>
+              <a:rPr lang="ja-JP" altLang="en-US" sz="1200" dirty="0" smtClean="0"/>
+              <a:t>が車輪</a:t>
+            </a:r>
+            <a:r>
+              <a:rPr lang="ja-JP" altLang="en-US" sz="1200" dirty="0"/>
+              <a:t>回転数を用いた方法</a:t>
+            </a:r>
+            <a:r>
+              <a:rPr lang="ja-JP" altLang="en-US" sz="1200" dirty="0" smtClean="0"/>
+              <a:t>より</a:t>
+            </a:r>
+            <a:endParaRPr lang="en-US" altLang="ja-JP" sz="1200" dirty="0" smtClean="0"/>
+          </a:p>
+          <a:p>
+            <a:r>
+              <a:rPr lang="ja-JP" altLang="en-US" sz="1200" dirty="0" smtClean="0"/>
+              <a:t>多かった</a:t>
+            </a:r>
+            <a:r>
+              <a:rPr lang="ja-JP" altLang="en-US" sz="1200" dirty="0"/>
+              <a:t>ため。少し安定した</a:t>
+            </a:r>
+            <a:r>
+              <a:rPr lang="ja-JP" altLang="en-US" sz="1200" dirty="0" smtClean="0"/>
+              <a:t>。</a:t>
+            </a:r>
+            <a:endParaRPr lang="en-US" altLang="ja-JP" sz="1200" dirty="0"/>
+          </a:p>
+        </p:txBody>
+      </p:sp>
+      <p:sp>
+        <p:nvSpPr>
+          <p:cNvPr id="12" name="テキスト ボックス 11"/>
+          <p:cNvSpPr txBox="1"/>
+          <p:nvPr/>
+        </p:nvSpPr>
+        <p:spPr>
+          <a:xfrm>
+            <a:off x="6263531" y="1947029"/>
+            <a:ext cx="671979" cy="276999"/>
+          </a:xfrm>
+          <a:prstGeom prst="rect">
+            <a:avLst/>
+          </a:prstGeom>
+          <a:noFill/>
+        </p:spPr>
+        <p:txBody>
+          <a:bodyPr wrap="none" rtlCol="0">
+            <a:spAutoFit/>
+          </a:bodyPr>
+          <a:lstStyle/>
+          <a:p>
+            <a:r>
+              <a:rPr kumimoji="1" lang="ja-JP" altLang="en-US" sz="1200" dirty="0" smtClean="0"/>
+              <a:t>図</a:t>
+            </a:r>
+            <a:r>
+              <a:rPr kumimoji="1" lang="en-US" altLang="ja-JP" sz="1200" dirty="0" smtClean="0"/>
+              <a:t>4-1-1</a:t>
+            </a:r>
+            <a:endParaRPr kumimoji="1" lang="ja-JP" altLang="en-US" sz="1200" dirty="0"/>
+          </a:p>
+        </p:txBody>
+      </p:sp>
+      <p:sp>
+        <p:nvSpPr>
+          <p:cNvPr id="14" name="テキスト ボックス 13"/>
+          <p:cNvSpPr txBox="1"/>
+          <p:nvPr/>
+        </p:nvSpPr>
+        <p:spPr>
+          <a:xfrm>
+            <a:off x="121726" y="4293657"/>
+            <a:ext cx="4629637" cy="1954381"/>
+          </a:xfrm>
+          <a:prstGeom prst="rect">
+            <a:avLst/>
+          </a:prstGeom>
+          <a:noFill/>
+        </p:spPr>
+        <p:txBody>
+          <a:bodyPr wrap="square" rtlCol="0">
+            <a:spAutoFit/>
+          </a:bodyPr>
+          <a:lstStyle/>
+          <a:p>
+            <a:r>
+              <a:rPr lang="en-US" altLang="ja-JP" sz="1200" b="1" dirty="0" smtClean="0">
+                <a:solidFill>
+                  <a:schemeClr val="accent6"/>
+                </a:solidFill>
+              </a:rPr>
+              <a:t>[</a:t>
+            </a:r>
+            <a:r>
+              <a:rPr kumimoji="1" lang="ja-JP" altLang="en-US" sz="1200" b="1" dirty="0" smtClean="0">
+                <a:solidFill>
+                  <a:schemeClr val="accent6"/>
+                </a:solidFill>
+              </a:rPr>
+              <a:t>対策</a:t>
+            </a:r>
+            <a:r>
+              <a:rPr lang="ja-JP" altLang="en-US" sz="1200" b="1" dirty="0">
+                <a:solidFill>
+                  <a:schemeClr val="accent6"/>
+                </a:solidFill>
+              </a:rPr>
+              <a:t>２</a:t>
+            </a:r>
+            <a:r>
+              <a:rPr lang="ja-JP" altLang="en-US" sz="1200" b="1" dirty="0" smtClean="0">
+                <a:solidFill>
+                  <a:schemeClr val="accent6"/>
+                </a:solidFill>
+              </a:rPr>
+              <a:t> </a:t>
+            </a:r>
+            <a:r>
+              <a:rPr lang="en-US" altLang="ja-JP" sz="1200" b="1" dirty="0" smtClean="0">
+                <a:solidFill>
+                  <a:schemeClr val="accent6"/>
+                </a:solidFill>
+              </a:rPr>
+              <a:t>– </a:t>
+            </a:r>
+            <a:r>
+              <a:rPr lang="ja-JP" altLang="en-US" sz="1200" b="1" dirty="0" smtClean="0">
+                <a:solidFill>
+                  <a:schemeClr val="accent6"/>
+                </a:solidFill>
+              </a:rPr>
+              <a:t>フィードバック制御対象の変更とフィードフォワード制御</a:t>
+            </a:r>
+            <a:r>
+              <a:rPr lang="en-US" altLang="ja-JP" sz="1200" b="1" dirty="0" smtClean="0">
+                <a:solidFill>
+                  <a:schemeClr val="accent6"/>
+                </a:solidFill>
+              </a:rPr>
+              <a:t>] </a:t>
+            </a:r>
+          </a:p>
+          <a:p>
+            <a:r>
+              <a:rPr lang="ja-JP" altLang="en-US" sz="1200" dirty="0"/>
+              <a:t>各モータの</a:t>
+            </a:r>
+            <a:r>
+              <a:rPr lang="ja-JP" altLang="en-US" sz="1200" dirty="0" smtClean="0"/>
+              <a:t>個体差により、定常的な出力差があると推測し、</a:t>
+            </a:r>
+            <a:endParaRPr lang="en-US" altLang="ja-JP" sz="1200" dirty="0" smtClean="0"/>
+          </a:p>
+          <a:p>
+            <a:r>
+              <a:rPr lang="ja-JP" altLang="en-US" sz="1200" dirty="0" smtClean="0"/>
+              <a:t>事前にフィードフォワード制御を設けた。</a:t>
+            </a:r>
+            <a:endParaRPr lang="en-US" altLang="ja-JP" sz="1200" dirty="0"/>
+          </a:p>
+          <a:p>
+            <a:r>
+              <a:rPr lang="ja-JP" altLang="en-US" sz="1200" dirty="0" smtClean="0"/>
+              <a:t>また、走行開始時の走行体の角度を基準として座標を計算し、</a:t>
+            </a:r>
+            <a:endParaRPr lang="en-US" altLang="ja-JP" sz="1200" dirty="0" smtClean="0"/>
+          </a:p>
+          <a:p>
+            <a:r>
+              <a:rPr lang="ja-JP" altLang="en-US" sz="1200" dirty="0" smtClean="0"/>
+              <a:t>その値をフィードバックの制御対象に変更した</a:t>
+            </a:r>
+            <a:endParaRPr lang="en-US" altLang="ja-JP" sz="1200" dirty="0"/>
+          </a:p>
+          <a:p>
+            <a:endParaRPr lang="en-US" altLang="ja-JP" sz="800" dirty="0" smtClean="0"/>
+          </a:p>
+          <a:p>
+            <a:r>
+              <a:rPr lang="ja-JP" altLang="en-US" sz="1200" dirty="0"/>
+              <a:t>制</a:t>
+            </a:r>
+            <a:r>
+              <a:rPr lang="ja-JP" altLang="en-US" sz="1200" dirty="0" smtClean="0"/>
+              <a:t>御対象の値の計算方法を下記に示す。</a:t>
+            </a:r>
+            <a:endParaRPr lang="en-US" altLang="ja-JP" sz="1200" dirty="0" smtClean="0"/>
+          </a:p>
+          <a:p>
+            <a:r>
+              <a:rPr lang="en-US" altLang="ja-JP" sz="900" dirty="0" smtClean="0"/>
+              <a:t>x</a:t>
+            </a:r>
+            <a:r>
+              <a:rPr lang="ja-JP" altLang="en-US" sz="900" dirty="0" smtClean="0"/>
+              <a:t>軸の移動距離 </a:t>
+            </a:r>
+            <a:r>
+              <a:rPr lang="en-US" altLang="ja-JP" sz="900" dirty="0" smtClean="0"/>
+              <a:t>+= Δ</a:t>
+            </a:r>
+            <a:r>
+              <a:rPr lang="ja-JP" altLang="en-US" sz="900" dirty="0" smtClean="0"/>
+              <a:t>移動距離 </a:t>
+            </a:r>
+            <a:r>
+              <a:rPr lang="en-US" altLang="ja-JP" sz="900" dirty="0" smtClean="0"/>
+              <a:t>× sin(π ÷ 180 × Δ</a:t>
+            </a:r>
+            <a:r>
+              <a:rPr lang="ja-JP" altLang="en-US" sz="900" dirty="0" smtClean="0"/>
+              <a:t>車体角度</a:t>
+            </a:r>
+            <a:r>
+              <a:rPr lang="en-US" altLang="ja-JP" sz="900" dirty="0" smtClean="0"/>
+              <a:t>)</a:t>
+            </a:r>
+          </a:p>
+          <a:p>
+            <a:endParaRPr lang="en-US" altLang="ja-JP" sz="800" dirty="0" smtClean="0"/>
+          </a:p>
+          <a:p>
+            <a:r>
+              <a:rPr lang="en-US" altLang="ja-JP" sz="1200" dirty="0" smtClean="0">
+                <a:solidFill>
+                  <a:schemeClr val="accent1"/>
+                </a:solidFill>
+              </a:rPr>
+              <a:t>[</a:t>
+            </a:r>
+            <a:r>
+              <a:rPr lang="ja-JP" altLang="en-US" sz="1200" dirty="0" smtClean="0">
+                <a:solidFill>
+                  <a:schemeClr val="accent1"/>
+                </a:solidFill>
+              </a:rPr>
+              <a:t>効果</a:t>
+            </a:r>
+            <a:r>
+              <a:rPr lang="en-US" altLang="ja-JP" sz="1200" dirty="0" smtClean="0">
+                <a:solidFill>
+                  <a:schemeClr val="accent1"/>
+                </a:solidFill>
+              </a:rPr>
+              <a:t>] </a:t>
+            </a:r>
+          </a:p>
+          <a:p>
+            <a:r>
+              <a:rPr lang="ja-JP" altLang="en-US" sz="1200" dirty="0" smtClean="0"/>
+              <a:t>図</a:t>
+            </a:r>
+            <a:r>
+              <a:rPr lang="en-US" altLang="ja-JP" sz="1200" dirty="0" smtClean="0"/>
+              <a:t>4-1-2</a:t>
+            </a:r>
+            <a:r>
+              <a:rPr lang="ja-JP" altLang="en-US" sz="1200" dirty="0" err="1" smtClean="0"/>
+              <a:t>のように</a:t>
+            </a:r>
+            <a:r>
+              <a:rPr lang="ja-JP" altLang="en-US" sz="1200" dirty="0" smtClean="0"/>
+              <a:t>誤差が</a:t>
+            </a:r>
+            <a:r>
+              <a:rPr lang="en-US" altLang="ja-JP" sz="1200" dirty="0" smtClean="0"/>
+              <a:t>±6mm</a:t>
+            </a:r>
+            <a:r>
+              <a:rPr lang="ja-JP" altLang="en-US" sz="1200" dirty="0" smtClean="0"/>
+              <a:t>に収まる範囲で走行するようになった。</a:t>
+            </a:r>
+            <a:endParaRPr lang="en-US" altLang="ja-JP" sz="1200" dirty="0" smtClean="0"/>
+          </a:p>
+        </p:txBody>
+      </p:sp>
+      <p:pic>
+        <p:nvPicPr>
+          <p:cNvPr id="15" name="図 14"/>
+          <p:cNvPicPr>
+            <a:picLocks noChangeAspect="1"/>
+          </p:cNvPicPr>
+          <p:nvPr/>
+        </p:nvPicPr>
+        <p:blipFill>
+          <a:blip r:embed="rId2">
+            <a:extLst>
+              <a:ext uri="{28A0092B-C50C-407E-A947-70E740481C1C}">
+                <a14:useLocalDpi xmlns:a14="http://schemas.microsoft.com/office/drawing/2010/main" val="0"/>
+              </a:ext>
+            </a:extLst>
+          </a:blip>
+          <a:stretch>
+            <a:fillRect/>
+          </a:stretch>
+        </p:blipFill>
+        <p:spPr>
+          <a:xfrm>
+            <a:off x="4483654" y="2224029"/>
+            <a:ext cx="3986981" cy="2016830"/>
+          </a:xfrm>
+          <a:prstGeom prst="rect">
+            <a:avLst/>
+          </a:prstGeom>
+          <a:ln>
+            <a:solidFill>
+              <a:schemeClr val="tx1"/>
+            </a:solidFill>
+          </a:ln>
+        </p:spPr>
+      </p:pic>
+      <p:pic>
+        <p:nvPicPr>
+          <p:cNvPr id="17" name="図 16"/>
+          <p:cNvPicPr>
+            <a:picLocks noChangeAspect="1"/>
+          </p:cNvPicPr>
+          <p:nvPr/>
+        </p:nvPicPr>
+        <p:blipFill>
+          <a:blip r:embed="rId3" cstate="hqprint">
+            <a:extLst>
+              <a:ext uri="{28A0092B-C50C-407E-A947-70E740481C1C}">
+                <a14:useLocalDpi xmlns:a14="http://schemas.microsoft.com/office/drawing/2010/main" val="0"/>
+              </a:ext>
+            </a:extLst>
+          </a:blip>
+          <a:stretch>
+            <a:fillRect/>
+          </a:stretch>
+        </p:blipFill>
+        <p:spPr>
+          <a:xfrm>
+            <a:off x="4895379" y="4481810"/>
+            <a:ext cx="3575257" cy="1866980"/>
+          </a:xfrm>
+          <a:prstGeom prst="rect">
+            <a:avLst/>
+          </a:prstGeom>
+          <a:ln>
+            <a:solidFill>
+              <a:schemeClr val="tx1"/>
+            </a:solidFill>
+          </a:ln>
+        </p:spPr>
+      </p:pic>
+      <p:sp>
+        <p:nvSpPr>
+          <p:cNvPr id="18" name="テキスト ボックス 17"/>
+          <p:cNvSpPr txBox="1"/>
+          <p:nvPr/>
+        </p:nvSpPr>
+        <p:spPr>
+          <a:xfrm>
+            <a:off x="6358744" y="4213487"/>
+            <a:ext cx="671979" cy="276999"/>
+          </a:xfrm>
+          <a:prstGeom prst="rect">
+            <a:avLst/>
+          </a:prstGeom>
+          <a:noFill/>
+        </p:spPr>
+        <p:txBody>
+          <a:bodyPr wrap="none" rtlCol="0">
+            <a:spAutoFit/>
+          </a:bodyPr>
+          <a:lstStyle/>
+          <a:p>
+            <a:r>
+              <a:rPr kumimoji="1" lang="ja-JP" altLang="en-US" sz="1200" dirty="0" smtClean="0"/>
+              <a:t>図</a:t>
+            </a:r>
+            <a:r>
+              <a:rPr kumimoji="1" lang="en-US" altLang="ja-JP" sz="1200" dirty="0" smtClean="0"/>
+              <a:t>4-1-2</a:t>
+            </a:r>
+            <a:endParaRPr kumimoji="1" lang="ja-JP" altLang="en-US" sz="1200" dirty="0"/>
+          </a:p>
+        </p:txBody>
+      </p:sp>
+      <p:pic>
+        <p:nvPicPr>
+          <p:cNvPr id="19" name="図 18"/>
+          <p:cNvPicPr>
+            <a:picLocks noChangeAspect="1"/>
+          </p:cNvPicPr>
+          <p:nvPr/>
+        </p:nvPicPr>
+        <p:blipFill>
+          <a:blip r:embed="rId4">
+            <a:extLst>
+              <a:ext uri="{28A0092B-C50C-407E-A947-70E740481C1C}">
+                <a14:useLocalDpi xmlns:a14="http://schemas.microsoft.com/office/drawing/2010/main" val="0"/>
+              </a:ext>
+            </a:extLst>
+          </a:blip>
+          <a:stretch>
+            <a:fillRect/>
+          </a:stretch>
+        </p:blipFill>
+        <p:spPr>
+          <a:xfrm>
+            <a:off x="4182272" y="7189710"/>
+            <a:ext cx="2848451" cy="2158546"/>
+          </a:xfrm>
+          <a:prstGeom prst="rect">
+            <a:avLst/>
+          </a:prstGeom>
+          <a:ln>
+            <a:solidFill>
+              <a:schemeClr val="tx1"/>
+            </a:solidFill>
+          </a:ln>
+        </p:spPr>
+      </p:pic>
+      <p:sp>
+        <p:nvSpPr>
+          <p:cNvPr id="20" name="テキスト ボックス 19"/>
+          <p:cNvSpPr txBox="1"/>
+          <p:nvPr/>
+        </p:nvSpPr>
+        <p:spPr>
+          <a:xfrm>
+            <a:off x="4144877" y="6963963"/>
+            <a:ext cx="677553" cy="276999"/>
+          </a:xfrm>
+          <a:prstGeom prst="rect">
+            <a:avLst/>
+          </a:prstGeom>
+          <a:noFill/>
+        </p:spPr>
+        <p:txBody>
+          <a:bodyPr wrap="square" rtlCol="0">
+            <a:spAutoFit/>
+          </a:bodyPr>
+          <a:lstStyle/>
+          <a:p>
+            <a:r>
+              <a:rPr kumimoji="1" lang="ja-JP" altLang="en-US" sz="1200" dirty="0" smtClean="0"/>
+              <a:t>図</a:t>
+            </a:r>
+            <a:r>
+              <a:rPr kumimoji="1" lang="en-US" altLang="ja-JP" sz="1200" dirty="0" smtClean="0"/>
+              <a:t>4-2-1 </a:t>
+            </a:r>
+            <a:endParaRPr kumimoji="1" lang="ja-JP" altLang="en-US" sz="1200" dirty="0"/>
+          </a:p>
+        </p:txBody>
+      </p:sp>
+      <p:sp>
+        <p:nvSpPr>
+          <p:cNvPr id="23" name="テキスト ボックス 22"/>
+          <p:cNvSpPr txBox="1"/>
+          <p:nvPr/>
+        </p:nvSpPr>
+        <p:spPr>
+          <a:xfrm>
+            <a:off x="4991980" y="7009690"/>
+            <a:ext cx="1952779" cy="215444"/>
+          </a:xfrm>
+          <a:prstGeom prst="rect">
+            <a:avLst/>
+          </a:prstGeom>
+          <a:noFill/>
+        </p:spPr>
+        <p:txBody>
+          <a:bodyPr wrap="none" rtlCol="0">
+            <a:spAutoFit/>
+          </a:bodyPr>
+          <a:lstStyle/>
+          <a:p>
+            <a:r>
+              <a:rPr lang="ja-JP" altLang="en-US" sz="800" dirty="0" smtClean="0"/>
+              <a:t>引用 ： </a:t>
+            </a:r>
+            <a:r>
+              <a:rPr lang="en-US" altLang="ja-JP" sz="800" dirty="0" smtClean="0"/>
+              <a:t>https</a:t>
+            </a:r>
+            <a:r>
+              <a:rPr lang="en-US" altLang="ja-JP" sz="800" dirty="0"/>
+              <a:t>://arxiv.org/abs/2104.00298v2</a:t>
+            </a:r>
+            <a:endParaRPr kumimoji="1" lang="ja-JP" altLang="en-US" sz="800" dirty="0"/>
+          </a:p>
+        </p:txBody>
+      </p:sp>
+      <p:sp>
+        <p:nvSpPr>
+          <p:cNvPr id="25" name="テキスト ボックス 24"/>
+          <p:cNvSpPr txBox="1"/>
+          <p:nvPr/>
+        </p:nvSpPr>
+        <p:spPr>
+          <a:xfrm>
+            <a:off x="65269" y="6940020"/>
+            <a:ext cx="4830110" cy="3600986"/>
+          </a:xfrm>
+          <a:prstGeom prst="rect">
+            <a:avLst/>
+          </a:prstGeom>
+          <a:noFill/>
+        </p:spPr>
+        <p:txBody>
+          <a:bodyPr wrap="square" rtlCol="0">
+            <a:spAutoFit/>
+          </a:bodyPr>
+          <a:lstStyle/>
+          <a:p>
+            <a:r>
+              <a:rPr kumimoji="1" lang="en-US" altLang="ja-JP" sz="1200" b="1" dirty="0" smtClean="0">
+                <a:solidFill>
+                  <a:srgbClr val="FF0000"/>
+                </a:solidFill>
+              </a:rPr>
+              <a:t>[</a:t>
+            </a:r>
+            <a:r>
+              <a:rPr kumimoji="1" lang="ja-JP" altLang="en-US" sz="1200" b="1" dirty="0" smtClean="0">
+                <a:solidFill>
+                  <a:srgbClr val="FF0000"/>
+                </a:solidFill>
+              </a:rPr>
+              <a:t>課題</a:t>
+            </a:r>
+            <a:r>
+              <a:rPr lang="en-US" altLang="ja-JP" sz="1200" b="1" dirty="0" smtClean="0">
+                <a:solidFill>
+                  <a:srgbClr val="FF0000"/>
+                </a:solidFill>
+              </a:rPr>
+              <a:t>] </a:t>
+            </a:r>
+            <a:endParaRPr lang="en-US" altLang="ja-JP" sz="1200" dirty="0"/>
+          </a:p>
+          <a:p>
+            <a:r>
+              <a:rPr lang="ja-JP" altLang="en-US" sz="1200" dirty="0" smtClean="0"/>
+              <a:t>ミニフィグ撮影によるベストショットを獲得するには、</a:t>
+            </a:r>
+            <a:endParaRPr lang="en-US" altLang="ja-JP" sz="1200" dirty="0" smtClean="0"/>
+          </a:p>
+          <a:p>
+            <a:r>
+              <a:rPr lang="ja-JP" altLang="en-US" sz="1200" dirty="0" smtClean="0"/>
+              <a:t>角度を高精度で推定する必要がある。</a:t>
+            </a:r>
+            <a:endParaRPr lang="en-US" altLang="ja-JP" sz="1200" dirty="0" smtClean="0"/>
+          </a:p>
+          <a:p>
+            <a:r>
+              <a:rPr lang="ja-JP" altLang="en-US" sz="1200" dirty="0" smtClean="0"/>
+              <a:t>ラベルについては</a:t>
+            </a:r>
+            <a:r>
+              <a:rPr lang="ja-JP" altLang="en-US" sz="1200" dirty="0"/>
+              <a:t>ミニフィグの向きを</a:t>
+            </a:r>
+            <a:r>
+              <a:rPr lang="en-US" altLang="ja-JP" sz="1200" dirty="0"/>
+              <a:t>45</a:t>
+            </a:r>
+            <a:r>
+              <a:rPr lang="ja-JP" altLang="en-US" sz="1200" dirty="0"/>
+              <a:t>度に分割し</a:t>
+            </a:r>
+            <a:r>
+              <a:rPr lang="ja-JP" altLang="en-US" sz="1200" dirty="0" smtClean="0"/>
+              <a:t>、</a:t>
+            </a:r>
+            <a:endParaRPr lang="en-US" altLang="ja-JP" sz="1200" dirty="0" smtClean="0"/>
+          </a:p>
+          <a:p>
+            <a:r>
+              <a:rPr lang="ja-JP" altLang="en-US" sz="1200" dirty="0" smtClean="0"/>
+              <a:t>合計</a:t>
+            </a:r>
+            <a:r>
+              <a:rPr lang="en-US" altLang="ja-JP" sz="1200" dirty="0"/>
+              <a:t>8</a:t>
+            </a:r>
+            <a:r>
+              <a:rPr lang="ja-JP" altLang="en-US" sz="1200" dirty="0" err="1"/>
+              <a:t>つの</a:t>
+            </a:r>
+            <a:r>
+              <a:rPr lang="ja-JP" altLang="en-US" sz="1200" dirty="0"/>
+              <a:t>ラベル</a:t>
+            </a:r>
+            <a:r>
+              <a:rPr lang="ja-JP" altLang="en-US" sz="1200" dirty="0" smtClean="0"/>
+              <a:t>にしている。</a:t>
+            </a:r>
+            <a:endParaRPr lang="en-US" altLang="ja-JP" sz="1200" dirty="0" smtClean="0"/>
+          </a:p>
+          <a:p>
+            <a:endParaRPr lang="en-US" altLang="ja-JP" sz="800" b="1" dirty="0" smtClean="0">
+              <a:solidFill>
+                <a:schemeClr val="accent6"/>
+              </a:solidFill>
+            </a:endParaRPr>
+          </a:p>
+          <a:p>
+            <a:r>
+              <a:rPr lang="en-US" altLang="ja-JP" sz="1200" b="1" dirty="0" smtClean="0">
+                <a:solidFill>
+                  <a:schemeClr val="accent6"/>
+                </a:solidFill>
+              </a:rPr>
+              <a:t>[</a:t>
+            </a:r>
+            <a:r>
+              <a:rPr lang="ja-JP" altLang="en-US" sz="1200" b="1" dirty="0">
+                <a:solidFill>
+                  <a:schemeClr val="accent6"/>
+                </a:solidFill>
+              </a:rPr>
+              <a:t>対策１ </a:t>
+            </a:r>
+            <a:r>
+              <a:rPr lang="en-US" altLang="ja-JP" sz="1200" b="1" dirty="0" smtClean="0">
+                <a:solidFill>
+                  <a:schemeClr val="accent6"/>
+                </a:solidFill>
+              </a:rPr>
+              <a:t>– </a:t>
+            </a:r>
+            <a:r>
+              <a:rPr lang="ja-JP" altLang="en-US" sz="1200" b="1" dirty="0" smtClean="0">
+                <a:solidFill>
+                  <a:schemeClr val="accent6"/>
+                </a:solidFill>
+              </a:rPr>
+              <a:t>転移学習のモデル選定</a:t>
+            </a:r>
+            <a:r>
+              <a:rPr lang="en-US" altLang="ja-JP" sz="1200" b="1" dirty="0" smtClean="0">
+                <a:solidFill>
+                  <a:schemeClr val="accent6"/>
+                </a:solidFill>
+              </a:rPr>
+              <a:t>] </a:t>
+            </a:r>
+          </a:p>
+          <a:p>
+            <a:r>
+              <a:rPr lang="ja-JP" altLang="en-US" sz="1200" dirty="0" smtClean="0"/>
+              <a:t>モデルの選定には図</a:t>
+            </a:r>
+            <a:r>
+              <a:rPr lang="en-US" altLang="ja-JP" sz="1200" dirty="0" smtClean="0"/>
+              <a:t>4-2-1</a:t>
+            </a:r>
+            <a:r>
+              <a:rPr lang="ja-JP" altLang="en-US" sz="1200" dirty="0" smtClean="0"/>
+              <a:t>にある少ない学習時間で、</a:t>
+            </a:r>
+            <a:endParaRPr lang="en-US" altLang="ja-JP" sz="1200" dirty="0" smtClean="0"/>
+          </a:p>
+          <a:p>
+            <a:r>
+              <a:rPr lang="ja-JP" altLang="en-US" sz="1200" dirty="0" smtClean="0"/>
+              <a:t>高精度な分類ができる</a:t>
+            </a:r>
+            <a:r>
+              <a:rPr lang="en-US" altLang="ja-JP" sz="1200" dirty="0" smtClean="0"/>
+              <a:t>EfficientNetV2</a:t>
+            </a:r>
+            <a:r>
+              <a:rPr lang="ja-JP" altLang="en-US" sz="1200" dirty="0" smtClean="0"/>
+              <a:t>モデルを選定した。</a:t>
+            </a:r>
+            <a:endParaRPr lang="en-US" altLang="ja-JP" sz="1200" dirty="0"/>
+          </a:p>
+          <a:p>
+            <a:endParaRPr lang="en-US" altLang="ja-JP" sz="800" b="1" dirty="0" smtClean="0">
+              <a:solidFill>
+                <a:schemeClr val="accent6"/>
+              </a:solidFill>
+            </a:endParaRPr>
+          </a:p>
+          <a:p>
+            <a:r>
+              <a:rPr lang="en-US" altLang="ja-JP" sz="1200" b="1" dirty="0">
+                <a:solidFill>
+                  <a:schemeClr val="accent6"/>
+                </a:solidFill>
+              </a:rPr>
+              <a:t>[</a:t>
+            </a:r>
+            <a:r>
+              <a:rPr lang="ja-JP" altLang="en-US" sz="1200" b="1" dirty="0" smtClean="0">
+                <a:solidFill>
+                  <a:schemeClr val="accent6"/>
+                </a:solidFill>
+              </a:rPr>
+              <a:t>対策</a:t>
+            </a:r>
+            <a:r>
+              <a:rPr lang="ja-JP" altLang="en-US" sz="1200" b="1" dirty="0">
+                <a:solidFill>
+                  <a:schemeClr val="accent6"/>
+                </a:solidFill>
+              </a:rPr>
+              <a:t>２</a:t>
+            </a:r>
+            <a:r>
+              <a:rPr lang="ja-JP" altLang="en-US" sz="1200" b="1" dirty="0" smtClean="0">
+                <a:solidFill>
+                  <a:schemeClr val="accent6"/>
+                </a:solidFill>
+              </a:rPr>
+              <a:t> </a:t>
+            </a:r>
+            <a:r>
+              <a:rPr lang="en-US" altLang="ja-JP" sz="1200" b="1" dirty="0">
+                <a:solidFill>
+                  <a:schemeClr val="accent6"/>
+                </a:solidFill>
+              </a:rPr>
+              <a:t>– </a:t>
+            </a:r>
+            <a:r>
+              <a:rPr lang="ja-JP" altLang="en-US" sz="1200" b="1" dirty="0" smtClean="0">
+                <a:solidFill>
+                  <a:schemeClr val="accent6"/>
+                </a:solidFill>
+              </a:rPr>
+              <a:t>動画からフレーム分割とデータ拡張</a:t>
+            </a:r>
+            <a:r>
+              <a:rPr lang="en-US" altLang="ja-JP" sz="1200" b="1" dirty="0" smtClean="0">
+                <a:solidFill>
+                  <a:schemeClr val="accent6"/>
+                </a:solidFill>
+              </a:rPr>
+              <a:t>] </a:t>
+            </a:r>
+            <a:endParaRPr lang="en-US" altLang="ja-JP" sz="1200" b="1" dirty="0">
+              <a:solidFill>
+                <a:schemeClr val="accent6"/>
+              </a:solidFill>
+            </a:endParaRPr>
+          </a:p>
+          <a:p>
+            <a:r>
+              <a:rPr lang="ja-JP" altLang="en-US" sz="1200" dirty="0" smtClean="0"/>
+              <a:t>写真を一枚ずつ撮影することは効率が悪いため、</a:t>
+            </a:r>
+            <a:endParaRPr lang="en-US" altLang="ja-JP" sz="1200" dirty="0" smtClean="0"/>
+          </a:p>
+          <a:p>
+            <a:r>
+              <a:rPr lang="ja-JP" altLang="en-US" sz="1200" dirty="0" smtClean="0"/>
+              <a:t>動画からフレームごとに画像を生成することを行った。</a:t>
+            </a:r>
+            <a:endParaRPr lang="en-US" altLang="ja-JP" sz="1200" dirty="0" smtClean="0"/>
+          </a:p>
+          <a:p>
+            <a:r>
+              <a:rPr lang="ja-JP" altLang="en-US" sz="1200" dirty="0" smtClean="0"/>
+              <a:t>また、画像の水増しを行い、</a:t>
+            </a:r>
+            <a:r>
+              <a:rPr lang="ja-JP" altLang="en-US" sz="1200" dirty="0"/>
+              <a:t>図</a:t>
+            </a:r>
+            <a:r>
+              <a:rPr lang="en-US" altLang="ja-JP" sz="1200" dirty="0" smtClean="0"/>
+              <a:t>4-2-2</a:t>
+            </a:r>
+            <a:r>
+              <a:rPr lang="ja-JP" altLang="en-US" sz="1200" dirty="0" err="1" smtClean="0"/>
+              <a:t>のように</a:t>
+            </a:r>
+            <a:r>
+              <a:rPr lang="ja-JP" altLang="en-US" sz="1200" dirty="0" smtClean="0"/>
+              <a:t>画像加工を行った</a:t>
+            </a:r>
+            <a:endParaRPr lang="en-US" altLang="ja-JP" sz="1200" dirty="0" smtClean="0"/>
+          </a:p>
+          <a:p>
+            <a:r>
+              <a:rPr lang="ja-JP" altLang="en-US" sz="1200" dirty="0"/>
+              <a:t>もの</a:t>
+            </a:r>
+            <a:r>
+              <a:rPr lang="ja-JP" altLang="en-US" sz="1200" dirty="0" smtClean="0"/>
+              <a:t>を学習させることで汎化性能を向上させることができる。</a:t>
+            </a:r>
+            <a:r>
+              <a:rPr lang="en-US" altLang="ja-JP" sz="1200" dirty="0" smtClean="0"/>
+              <a:t> </a:t>
+            </a:r>
+            <a:endParaRPr lang="en-US" altLang="ja-JP" sz="1200" dirty="0"/>
+          </a:p>
+          <a:p>
+            <a:endParaRPr lang="en-US" altLang="ja-JP" sz="800" b="1" dirty="0" smtClean="0">
+              <a:solidFill>
+                <a:schemeClr val="accent6"/>
+              </a:solidFill>
+            </a:endParaRPr>
+          </a:p>
+          <a:p>
+            <a:r>
+              <a:rPr lang="en-US" altLang="ja-JP" sz="1200" dirty="0">
+                <a:solidFill>
+                  <a:schemeClr val="accent1"/>
+                </a:solidFill>
+              </a:rPr>
+              <a:t>[</a:t>
+            </a:r>
+            <a:r>
+              <a:rPr lang="ja-JP" altLang="en-US" sz="1200" dirty="0">
+                <a:solidFill>
+                  <a:schemeClr val="accent1"/>
+                </a:solidFill>
+              </a:rPr>
+              <a:t>効果</a:t>
+            </a:r>
+            <a:r>
+              <a:rPr lang="en-US" altLang="ja-JP" sz="1200" dirty="0">
+                <a:solidFill>
+                  <a:schemeClr val="accent1"/>
+                </a:solidFill>
+              </a:rPr>
+              <a:t>] </a:t>
+            </a:r>
+            <a:r>
+              <a:rPr lang="ja-JP" altLang="en-US" sz="1200" dirty="0" smtClean="0"/>
+              <a:t>約</a:t>
+            </a:r>
+            <a:r>
+              <a:rPr lang="en-US" altLang="ja-JP" sz="1200" dirty="0" smtClean="0"/>
+              <a:t>46000</a:t>
+            </a:r>
+            <a:r>
+              <a:rPr lang="ja-JP" altLang="en-US" sz="1200" dirty="0" smtClean="0"/>
+              <a:t>枚のﾃﾞｰﾀを学習させたところ、</a:t>
+            </a:r>
+            <a:endParaRPr lang="en-US" altLang="ja-JP" sz="1200" dirty="0"/>
+          </a:p>
+          <a:p>
+            <a:r>
+              <a:rPr lang="ja-JP" altLang="en-US" sz="1200" dirty="0" smtClean="0"/>
+              <a:t>訓練データの精度は</a:t>
+            </a:r>
+            <a:r>
+              <a:rPr lang="en-US" altLang="ja-JP" sz="1200" dirty="0" smtClean="0"/>
+              <a:t>78.4%</a:t>
+            </a:r>
+            <a:r>
+              <a:rPr lang="ja-JP" altLang="en-US" sz="1200" dirty="0" smtClean="0"/>
+              <a:t>から</a:t>
+            </a:r>
+            <a:r>
+              <a:rPr lang="en-US" altLang="ja-JP" sz="1200" dirty="0" smtClean="0"/>
+              <a:t>93.0%</a:t>
+            </a:r>
+            <a:r>
+              <a:rPr lang="ja-JP" altLang="en-US" sz="1200" dirty="0" err="1" smtClean="0"/>
+              <a:t>に向</a:t>
+            </a:r>
+            <a:r>
+              <a:rPr lang="ja-JP" altLang="en-US" sz="1200" dirty="0" smtClean="0"/>
+              <a:t>上し、</a:t>
+            </a:r>
+            <a:endParaRPr lang="en-US" altLang="ja-JP" sz="1200" dirty="0" smtClean="0"/>
+          </a:p>
+          <a:p>
+            <a:r>
+              <a:rPr lang="ja-JP" altLang="en-US" sz="1200" dirty="0" smtClean="0"/>
+              <a:t>テストデータの精度は</a:t>
+            </a:r>
+            <a:r>
+              <a:rPr lang="en-US" altLang="ja-JP" sz="1200" dirty="0" smtClean="0"/>
+              <a:t>68.1%</a:t>
+            </a:r>
+            <a:r>
+              <a:rPr lang="ja-JP" altLang="en-US" sz="1200" dirty="0" smtClean="0"/>
+              <a:t>から</a:t>
+            </a:r>
+            <a:r>
+              <a:rPr lang="en-US" altLang="ja-JP" sz="1200" dirty="0" smtClean="0"/>
+              <a:t>86.7%</a:t>
+            </a:r>
+            <a:r>
+              <a:rPr lang="ja-JP" altLang="en-US" sz="1200" dirty="0" err="1" smtClean="0"/>
+              <a:t>に向</a:t>
+            </a:r>
+            <a:r>
+              <a:rPr lang="ja-JP" altLang="en-US" sz="1200" dirty="0" smtClean="0"/>
+              <a:t>上した。</a:t>
+            </a:r>
+            <a:endParaRPr lang="en-US" altLang="ja-JP" sz="1200" dirty="0" smtClean="0"/>
+          </a:p>
+          <a:p>
+            <a:r>
+              <a:rPr lang="ja-JP" altLang="en-US" sz="1200" dirty="0" smtClean="0"/>
+              <a:t>上記対策</a:t>
+            </a:r>
+            <a:r>
+              <a:rPr lang="ja-JP" altLang="en-US" sz="1200" dirty="0" smtClean="0"/>
+              <a:t>から約</a:t>
+            </a:r>
+            <a:r>
+              <a:rPr lang="en-US" altLang="ja-JP" sz="1200" dirty="0" smtClean="0"/>
+              <a:t>27</a:t>
+            </a:r>
+            <a:r>
+              <a:rPr lang="en-US" altLang="ja-JP" sz="1200" dirty="0" smtClean="0"/>
+              <a:t>%</a:t>
+            </a:r>
+            <a:r>
+              <a:rPr lang="ja-JP" altLang="en-US" sz="1200" dirty="0" smtClean="0"/>
+              <a:t>の精度向上が見込めた。</a:t>
+            </a:r>
+            <a:endParaRPr lang="en-US" altLang="ja-JP" sz="1200" dirty="0" smtClean="0"/>
+          </a:p>
+        </p:txBody>
+      </p:sp>
+      <p:pic>
+        <p:nvPicPr>
+          <p:cNvPr id="26" name="図 25"/>
+          <p:cNvPicPr>
+            <a:picLocks noChangeAspect="1"/>
+          </p:cNvPicPr>
+          <p:nvPr/>
+        </p:nvPicPr>
+        <p:blipFill>
+          <a:blip r:embed="rId5">
+            <a:extLst>
+              <a:ext uri="{28A0092B-C50C-407E-A947-70E740481C1C}">
+                <a14:useLocalDpi xmlns:a14="http://schemas.microsoft.com/office/drawing/2010/main" val="0"/>
+              </a:ext>
+            </a:extLst>
+          </a:blip>
+          <a:stretch>
+            <a:fillRect/>
+          </a:stretch>
+        </p:blipFill>
+        <p:spPr>
+          <a:xfrm>
+            <a:off x="3619963" y="9633885"/>
+            <a:ext cx="3431488" cy="885546"/>
+          </a:xfrm>
+          <a:prstGeom prst="rect">
+            <a:avLst/>
+          </a:prstGeom>
+          <a:ln>
+            <a:solidFill>
+              <a:schemeClr val="tx1"/>
+            </a:solidFill>
+          </a:ln>
+        </p:spPr>
+      </p:pic>
+      <p:sp>
+        <p:nvSpPr>
+          <p:cNvPr id="27" name="テキスト ボックス 26"/>
+          <p:cNvSpPr txBox="1"/>
+          <p:nvPr/>
+        </p:nvSpPr>
+        <p:spPr>
+          <a:xfrm>
+            <a:off x="5039395" y="9377446"/>
+            <a:ext cx="677553" cy="276999"/>
+          </a:xfrm>
+          <a:prstGeom prst="rect">
+            <a:avLst/>
+          </a:prstGeom>
+          <a:noFill/>
+        </p:spPr>
+        <p:txBody>
+          <a:bodyPr wrap="square" rtlCol="0">
+            <a:spAutoFit/>
+          </a:bodyPr>
+          <a:lstStyle/>
+          <a:p>
+            <a:r>
+              <a:rPr kumimoji="1" lang="ja-JP" altLang="en-US" sz="1200" dirty="0" smtClean="0"/>
+              <a:t>図</a:t>
+            </a:r>
+            <a:r>
+              <a:rPr kumimoji="1" lang="en-US" altLang="ja-JP" sz="1200" dirty="0" smtClean="0"/>
+              <a:t>4-2-2 </a:t>
+            </a:r>
+            <a:endParaRPr kumimoji="1" lang="ja-JP" altLang="en-US" sz="1200" dirty="0"/>
+          </a:p>
+        </p:txBody>
+      </p:sp>
     </p:spTree>
     <p:extLst>
       <p:ext uri="{BB962C8B-B14F-4D97-AF65-F5344CB8AC3E}">
